--- a/Reports/Final Project Presentation.pptx
+++ b/Reports/Final Project Presentation.pptx
@@ -13,7 +13,8 @@
     <p:sldId id="257" r:id="rId7"/>
     <p:sldId id="264" r:id="rId8"/>
     <p:sldId id="261" r:id="rId9"/>
-    <p:sldId id="263" r:id="rId10"/>
+    <p:sldId id="265" r:id="rId10"/>
+    <p:sldId id="263" r:id="rId11"/>
   </p:sldIdLst>
   <p:sldSz cx="12192000" cy="6858000"/>
   <p:notesSz cx="6858000" cy="9144000"/>
@@ -125,6 +126,7 @@
             <p14:sldId id="257"/>
             <p14:sldId id="264"/>
             <p14:sldId id="261"/>
+            <p14:sldId id="265"/>
             <p14:sldId id="263"/>
           </p14:sldIdLst>
         </p14:section>
@@ -363,7 +365,7 @@
           <a:p>
             <a:fld id="{7DD04C9E-B681-4085-BA00-58BA570C5872}" type="datetimeFigureOut">
               <a:rPr lang="he-IL" smtClean="0"/>
-              <a:t>כ"ג/אב/תשפ"ב</a:t>
+              <a:t>כ"ה/אב/תשפ"ב</a:t>
             </a:fld>
             <a:endParaRPr lang="he-IL"/>
           </a:p>
@@ -571,7 +573,7 @@
           <a:p>
             <a:fld id="{7DD04C9E-B681-4085-BA00-58BA570C5872}" type="datetimeFigureOut">
               <a:rPr lang="he-IL" smtClean="0"/>
-              <a:t>כ"ג/אב/תשפ"ב</a:t>
+              <a:t>כ"ה/אב/תשפ"ב</a:t>
             </a:fld>
             <a:endParaRPr lang="he-IL"/>
           </a:p>
@@ -827,7 +829,7 @@
           <a:p>
             <a:fld id="{7DD04C9E-B681-4085-BA00-58BA570C5872}" type="datetimeFigureOut">
               <a:rPr lang="he-IL" smtClean="0"/>
-              <a:t>כ"ג/אב/תשפ"ב</a:t>
+              <a:t>כ"ה/אב/תשפ"ב</a:t>
             </a:fld>
             <a:endParaRPr lang="he-IL"/>
           </a:p>
@@ -1006,7 +1008,7 @@
           <a:p>
             <a:fld id="{7DD04C9E-B681-4085-BA00-58BA570C5872}" type="datetimeFigureOut">
               <a:rPr lang="he-IL" smtClean="0"/>
-              <a:t>כ"ג/אב/תשפ"ב</a:t>
+              <a:t>כ"ה/אב/תשפ"ב</a:t>
             </a:fld>
             <a:endParaRPr lang="he-IL"/>
           </a:p>
@@ -1349,7 +1351,7 @@
           <a:p>
             <a:fld id="{7DD04C9E-B681-4085-BA00-58BA570C5872}" type="datetimeFigureOut">
               <a:rPr lang="he-IL" smtClean="0"/>
-              <a:t>כ"ג/אב/תשפ"ב</a:t>
+              <a:t>כ"ה/אב/תשפ"ב</a:t>
             </a:fld>
             <a:endParaRPr lang="he-IL"/>
           </a:p>
@@ -1624,7 +1626,7 @@
           <a:p>
             <a:fld id="{7DD04C9E-B681-4085-BA00-58BA570C5872}" type="datetimeFigureOut">
               <a:rPr lang="he-IL" smtClean="0"/>
-              <a:t>כ"ג/אב/תשפ"ב</a:t>
+              <a:t>כ"ה/אב/תשפ"ב</a:t>
             </a:fld>
             <a:endParaRPr lang="he-IL"/>
           </a:p>
@@ -2003,7 +2005,7 @@
           <a:p>
             <a:fld id="{7DD04C9E-B681-4085-BA00-58BA570C5872}" type="datetimeFigureOut">
               <a:rPr lang="he-IL" smtClean="0"/>
-              <a:t>כ"ג/אב/תשפ"ב</a:t>
+              <a:t>כ"ה/אב/תשפ"ב</a:t>
             </a:fld>
             <a:endParaRPr lang="he-IL"/>
           </a:p>
@@ -2121,7 +2123,7 @@
           <a:p>
             <a:fld id="{7DD04C9E-B681-4085-BA00-58BA570C5872}" type="datetimeFigureOut">
               <a:rPr lang="he-IL" smtClean="0"/>
-              <a:t>כ"ג/אב/תשפ"ב</a:t>
+              <a:t>כ"ה/אב/תשפ"ב</a:t>
             </a:fld>
             <a:endParaRPr lang="he-IL"/>
           </a:p>
@@ -2292,7 +2294,7 @@
           <a:p>
             <a:fld id="{7DD04C9E-B681-4085-BA00-58BA570C5872}" type="datetimeFigureOut">
               <a:rPr lang="he-IL" smtClean="0"/>
-              <a:t>כ"ג/אב/תשפ"ב</a:t>
+              <a:t>כ"ה/אב/תשפ"ב</a:t>
             </a:fld>
             <a:endParaRPr lang="he-IL"/>
           </a:p>
@@ -2646,7 +2648,7 @@
           <a:p>
             <a:fld id="{7DD04C9E-B681-4085-BA00-58BA570C5872}" type="datetimeFigureOut">
               <a:rPr lang="he-IL" smtClean="0"/>
-              <a:t>כ"ג/אב/תשפ"ב</a:t>
+              <a:t>כ"ה/אב/תשפ"ב</a:t>
             </a:fld>
             <a:endParaRPr lang="he-IL"/>
           </a:p>
@@ -3028,7 +3030,7 @@
           <a:p>
             <a:fld id="{7DD04C9E-B681-4085-BA00-58BA570C5872}" type="datetimeFigureOut">
               <a:rPr lang="he-IL" smtClean="0"/>
-              <a:t>כ"ג/אב/תשפ"ב</a:t>
+              <a:t>כ"ה/אב/תשפ"ב</a:t>
             </a:fld>
             <a:endParaRPr lang="he-IL"/>
           </a:p>
@@ -3315,7 +3317,7 @@
           <a:p>
             <a:fld id="{7DD04C9E-B681-4085-BA00-58BA570C5872}" type="datetimeFigureOut">
               <a:rPr lang="he-IL" smtClean="0"/>
-              <a:t>כ"ג/אב/תשפ"ב</a:t>
+              <a:t>כ"ה/אב/תשפ"ב</a:t>
             </a:fld>
             <a:endParaRPr lang="he-IL"/>
           </a:p>
@@ -3986,6 +3988,60 @@
 </p:sld>
 </file>
 
+<file path=ppt/slides/slide10.xml><?xml version="1.0" encoding="utf-8"?>
+<p:sld xmlns:a="http://schemas.openxmlformats.org/drawingml/2006/main" xmlns:r="http://schemas.openxmlformats.org/officeDocument/2006/relationships" xmlns:p="http://schemas.openxmlformats.org/presentationml/2006/main">
+  <p:cSld>
+    <p:spTree>
+      <p:nvGrpSpPr>
+        <p:cNvPr id="1" name=""/>
+        <p:cNvGrpSpPr/>
+        <p:nvPr/>
+      </p:nvGrpSpPr>
+      <p:grpSpPr>
+        <a:xfrm>
+          <a:off x="0" y="0"/>
+          <a:ext cx="0" cy="0"/>
+          <a:chOff x="0" y="0"/>
+          <a:chExt cx="0" cy="0"/>
+        </a:xfrm>
+      </p:grpSpPr>
+      <p:sp>
+        <p:nvSpPr>
+          <p:cNvPr id="2" name="כותרת 1"/>
+          <p:cNvSpPr>
+            <a:spLocks noGrp="1"/>
+          </p:cNvSpPr>
+          <p:nvPr>
+            <p:ph type="title"/>
+          </p:nvPr>
+        </p:nvSpPr>
+        <p:spPr/>
+        <p:txBody>
+          <a:bodyPr/>
+          <a:lstStyle/>
+          <a:p>
+            <a:pPr algn="ctr"/>
+            <a:r>
+              <a:rPr lang="en-US" dirty="0"/>
+              <a:t>Thank you for listening!</a:t>
+            </a:r>
+            <a:endParaRPr lang="he-IL" dirty="0"/>
+          </a:p>
+        </p:txBody>
+      </p:sp>
+    </p:spTree>
+    <p:extLst>
+      <p:ext uri="{BB962C8B-B14F-4D97-AF65-F5344CB8AC3E}">
+        <p14:creationId xmlns:p14="http://schemas.microsoft.com/office/powerpoint/2010/main" val="2018229943"/>
+      </p:ext>
+    </p:extLst>
+  </p:cSld>
+  <p:clrMapOvr>
+    <a:masterClrMapping/>
+  </p:clrMapOvr>
+</p:sld>
+</file>
+
 <file path=ppt/slides/slide2.xml><?xml version="1.0" encoding="utf-8"?>
 <p:sld xmlns:a="http://schemas.openxmlformats.org/drawingml/2006/main" xmlns:r="http://schemas.openxmlformats.org/officeDocument/2006/relationships" xmlns:p="http://schemas.openxmlformats.org/presentationml/2006/main">
   <p:cSld>
@@ -4621,7 +4677,7 @@
         <p:spPr>
           <a:xfrm>
             <a:off x="443345" y="2161309"/>
-            <a:ext cx="3048000" cy="1938992"/>
+            <a:ext cx="3482110" cy="2677656"/>
           </a:xfrm>
           <a:prstGeom prst="rect">
             <a:avLst/>
@@ -4640,7 +4696,14 @@
             </a:pPr>
             <a:r>
               <a:rPr lang="en-US" sz="2400" dirty="0"/>
-              <a:t>4 layers (11, 6, 6, 1)</a:t>
+              <a:t>5 layers (9, 6, 6, 6, 1)</a:t>
+            </a:r>
+            <a:br>
+              <a:rPr lang="en-US" sz="2400" dirty="0"/>
+            </a:br>
+            <a:r>
+              <a:rPr lang="en-US" sz="2400" dirty="0"/>
+              <a:t>9 inputs and 1 output</a:t>
             </a:r>
           </a:p>
           <a:p>
@@ -4657,11 +4720,11 @@
             </a:pPr>
             <a:r>
               <a:rPr lang="en-US" sz="2400" dirty="0" err="1"/>
-              <a:t>tanh</a:t>
+              <a:t>relu</a:t>
             </a:r>
             <a:r>
               <a:rPr lang="en-US" sz="2400" dirty="0"/>
-              <a:t> </a:t>
+              <a:t> activation function</a:t>
             </a:r>
           </a:p>
           <a:p>
@@ -4678,7 +4741,7 @@
             </a:pPr>
             <a:r>
               <a:rPr lang="en-US" sz="2400" dirty="0"/>
-              <a:t>20% survive</a:t>
+              <a:t>20% survive each generation</a:t>
             </a:r>
             <a:endParaRPr lang="he-IL" sz="2400" dirty="0"/>
           </a:p>
@@ -5239,7 +5302,13 @@
       </p:grpSpPr>
       <p:sp>
         <p:nvSpPr>
-          <p:cNvPr id="2" name="כותרת 1"/>
+          <p:cNvPr id="2" name="Title 1">
+            <a:extLst>
+              <a:ext uri="{FF2B5EF4-FFF2-40B4-BE49-F238E27FC236}">
+                <a16:creationId xmlns:a16="http://schemas.microsoft.com/office/drawing/2014/main" id="{8E574054-02C3-3883-048D-1A98161356F8}"/>
+              </a:ext>
+            </a:extLst>
+          </p:cNvPr>
           <p:cNvSpPr>
             <a:spLocks noGrp="1"/>
           </p:cNvSpPr>
@@ -5255,16 +5324,469 @@
             <a:pPr algn="ctr"/>
             <a:r>
               <a:rPr lang="en-US" dirty="0"/>
-              <a:t>Thank you for listening!</a:t>
+              <a:t>Statistics</a:t>
             </a:r>
             <a:endParaRPr lang="he-IL" dirty="0"/>
           </a:p>
         </p:txBody>
       </p:sp>
+      <p:sp>
+        <p:nvSpPr>
+          <p:cNvPr id="3" name="Content Placeholder 2">
+            <a:extLst>
+              <a:ext uri="{FF2B5EF4-FFF2-40B4-BE49-F238E27FC236}">
+                <a16:creationId xmlns:a16="http://schemas.microsoft.com/office/drawing/2014/main" id="{3FF0551A-C234-638F-4EE4-D8E3D0FBB5AE}"/>
+              </a:ext>
+            </a:extLst>
+          </p:cNvPr>
+          <p:cNvSpPr>
+            <a:spLocks noGrp="1"/>
+          </p:cNvSpPr>
+          <p:nvPr>
+            <p:ph idx="1"/>
+          </p:nvPr>
+        </p:nvSpPr>
+        <p:spPr/>
+        <p:txBody>
+          <a:bodyPr/>
+          <a:lstStyle/>
+          <a:p>
+            <a:pPr algn="l" rtl="0"/>
+            <a:r>
+              <a:rPr lang="en-US" dirty="0"/>
+              <a:t>- We verified that the </a:t>
+            </a:r>
+            <a:r>
+              <a:rPr lang="en-US" b="1" dirty="0"/>
+              <a:t>number of messages </a:t>
+            </a:r>
+            <a:r>
+              <a:rPr lang="en-US" dirty="0"/>
+              <a:t>per single frame time in the system is</a:t>
+            </a:r>
+            <a:r>
+              <a:rPr lang="en-US" baseline="30000" dirty="0"/>
+              <a:t>1</a:t>
+            </a:r>
+            <a:r>
+              <a:rPr lang="en-US" dirty="0"/>
+              <a:t>:</a:t>
+            </a:r>
+          </a:p>
+          <a:p>
+            <a:pPr algn="ctr" rtl="0"/>
+            <a:r>
+              <a:rPr lang="en-US" dirty="0"/>
+              <a:t>1 + 400 + 400 + 400 = 1201</a:t>
+            </a:r>
+          </a:p>
+          <a:p>
+            <a:pPr algn="ctr" rtl="0"/>
+            <a:endParaRPr lang="en-US" dirty="0"/>
+          </a:p>
+          <a:p>
+            <a:pPr algn="l" rtl="0"/>
+            <a:endParaRPr lang="en-US" dirty="0"/>
+          </a:p>
+          <a:p>
+            <a:pPr algn="l" rtl="0"/>
+            <a:endParaRPr lang="en-US" baseline="30000" dirty="0"/>
+          </a:p>
+          <a:p>
+            <a:pPr algn="l" rtl="0"/>
+            <a:r>
+              <a:rPr lang="en-US" dirty="0"/>
+              <a:t>- We display the </a:t>
+            </a:r>
+            <a:r>
+              <a:rPr lang="en-US" b="1" dirty="0"/>
+              <a:t>number of alive birds </a:t>
+            </a:r>
+            <a:r>
+              <a:rPr lang="en-US" dirty="0"/>
+              <a:t>per PC:</a:t>
+            </a:r>
+          </a:p>
+          <a:p>
+            <a:pPr algn="l" rtl="0"/>
+            <a:endParaRPr lang="en-US" dirty="0"/>
+          </a:p>
+          <a:p>
+            <a:pPr algn="l" rtl="0"/>
+            <a:endParaRPr lang="en-US" baseline="30000" dirty="0"/>
+          </a:p>
+          <a:p>
+            <a:pPr algn="l" rtl="0"/>
+            <a:r>
+              <a:rPr lang="en-US" baseline="30000" dirty="0"/>
+              <a:t>1</a:t>
+            </a:r>
+            <a:r>
+              <a:rPr lang="en-US" dirty="0"/>
+              <a:t> Number of birds is 400 (100 per PC)</a:t>
+            </a:r>
+            <a:endParaRPr lang="he-IL" dirty="0"/>
+          </a:p>
+        </p:txBody>
+      </p:sp>
+      <p:cxnSp>
+        <p:nvCxnSpPr>
+          <p:cNvPr id="5" name="Straight Arrow Connector 4">
+            <a:extLst>
+              <a:ext uri="{FF2B5EF4-FFF2-40B4-BE49-F238E27FC236}">
+                <a16:creationId xmlns:a16="http://schemas.microsoft.com/office/drawing/2014/main" id="{F8C7E08B-AC9F-D001-ADD8-4ADE4F3E1026}"/>
+              </a:ext>
+            </a:extLst>
+          </p:cNvPr>
+          <p:cNvCxnSpPr>
+            <a:cxnSpLocks/>
+            <a:stCxn id="6" idx="0"/>
+          </p:cNvCxnSpPr>
+          <p:nvPr/>
+        </p:nvCxnSpPr>
+        <p:spPr>
+          <a:xfrm flipV="1">
+            <a:off x="3424617" y="2591586"/>
+            <a:ext cx="1403223" cy="312195"/>
+          </a:xfrm>
+          <a:prstGeom prst="straightConnector1">
+            <a:avLst/>
+          </a:prstGeom>
+          <a:ln>
+            <a:tailEnd type="triangle"/>
+          </a:ln>
+        </p:spPr>
+        <p:style>
+          <a:lnRef idx="1">
+            <a:schemeClr val="accent1"/>
+          </a:lnRef>
+          <a:fillRef idx="0">
+            <a:schemeClr val="accent1"/>
+          </a:fillRef>
+          <a:effectRef idx="0">
+            <a:schemeClr val="accent1"/>
+          </a:effectRef>
+          <a:fontRef idx="minor">
+            <a:schemeClr val="tx1"/>
+          </a:fontRef>
+        </p:style>
+      </p:cxnSp>
+      <p:sp>
+        <p:nvSpPr>
+          <p:cNvPr id="6" name="TextBox 5">
+            <a:extLst>
+              <a:ext uri="{FF2B5EF4-FFF2-40B4-BE49-F238E27FC236}">
+                <a16:creationId xmlns:a16="http://schemas.microsoft.com/office/drawing/2014/main" id="{B22231D4-2D73-7634-6F6B-E446ABAFFC4B}"/>
+              </a:ext>
+            </a:extLst>
+          </p:cNvPr>
+          <p:cNvSpPr txBox="1"/>
+          <p:nvPr/>
+        </p:nvSpPr>
+        <p:spPr>
+          <a:xfrm>
+            <a:off x="2571902" y="2903781"/>
+            <a:ext cx="1705429" cy="646331"/>
+          </a:xfrm>
+          <a:prstGeom prst="rect">
+            <a:avLst/>
+          </a:prstGeom>
+          <a:noFill/>
+        </p:spPr>
+        <p:txBody>
+          <a:bodyPr wrap="square" rtlCol="1">
+            <a:spAutoFit/>
+          </a:bodyPr>
+          <a:lstStyle/>
+          <a:p>
+            <a:r>
+              <a:rPr lang="en-US" dirty="0"/>
+              <a:t>Simulate frame</a:t>
+            </a:r>
+            <a:br>
+              <a:rPr lang="en-US" dirty="0"/>
+            </a:br>
+            <a:r>
+              <a:rPr lang="en-US" dirty="0"/>
+              <a:t>(graphics to PC)</a:t>
+            </a:r>
+            <a:endParaRPr lang="he-IL" dirty="0"/>
+          </a:p>
+        </p:txBody>
+      </p:sp>
+      <p:cxnSp>
+        <p:nvCxnSpPr>
+          <p:cNvPr id="9" name="Straight Arrow Connector 8">
+            <a:extLst>
+              <a:ext uri="{FF2B5EF4-FFF2-40B4-BE49-F238E27FC236}">
+                <a16:creationId xmlns:a16="http://schemas.microsoft.com/office/drawing/2014/main" id="{85587931-B360-41F5-388F-1A35CA268BE3}"/>
+              </a:ext>
+            </a:extLst>
+          </p:cNvPr>
+          <p:cNvCxnSpPr>
+            <a:cxnSpLocks/>
+            <a:stCxn id="10" idx="0"/>
+          </p:cNvCxnSpPr>
+          <p:nvPr/>
+        </p:nvCxnSpPr>
+        <p:spPr>
+          <a:xfrm flipV="1">
+            <a:off x="5087956" y="2634611"/>
+            <a:ext cx="183671" cy="332724"/>
+          </a:xfrm>
+          <a:prstGeom prst="straightConnector1">
+            <a:avLst/>
+          </a:prstGeom>
+          <a:ln>
+            <a:tailEnd type="triangle"/>
+          </a:ln>
+        </p:spPr>
+        <p:style>
+          <a:lnRef idx="1">
+            <a:schemeClr val="accent1"/>
+          </a:lnRef>
+          <a:fillRef idx="0">
+            <a:schemeClr val="accent1"/>
+          </a:fillRef>
+          <a:effectRef idx="0">
+            <a:schemeClr val="accent1"/>
+          </a:effectRef>
+          <a:fontRef idx="minor">
+            <a:schemeClr val="tx1"/>
+          </a:fontRef>
+        </p:style>
+      </p:cxnSp>
+      <p:sp>
+        <p:nvSpPr>
+          <p:cNvPr id="10" name="TextBox 9">
+            <a:extLst>
+              <a:ext uri="{FF2B5EF4-FFF2-40B4-BE49-F238E27FC236}">
+                <a16:creationId xmlns:a16="http://schemas.microsoft.com/office/drawing/2014/main" id="{3AAE5A53-6D81-AFC5-F106-E11300B38A0B}"/>
+              </a:ext>
+            </a:extLst>
+          </p:cNvPr>
+          <p:cNvSpPr txBox="1"/>
+          <p:nvPr/>
+        </p:nvSpPr>
+        <p:spPr>
+          <a:xfrm>
+            <a:off x="4235241" y="2967335"/>
+            <a:ext cx="1705429" cy="646331"/>
+          </a:xfrm>
+          <a:prstGeom prst="rect">
+            <a:avLst/>
+          </a:prstGeom>
+          <a:noFill/>
+        </p:spPr>
+        <p:txBody>
+          <a:bodyPr wrap="square" rtlCol="1">
+            <a:spAutoFit/>
+          </a:bodyPr>
+          <a:lstStyle/>
+          <a:p>
+            <a:r>
+              <a:rPr lang="en-US" dirty="0"/>
+              <a:t>Simulate frame (PC to birds)</a:t>
+            </a:r>
+            <a:endParaRPr lang="he-IL" dirty="0"/>
+          </a:p>
+        </p:txBody>
+      </p:sp>
+      <p:cxnSp>
+        <p:nvCxnSpPr>
+          <p:cNvPr id="14" name="Straight Arrow Connector 13">
+            <a:extLst>
+              <a:ext uri="{FF2B5EF4-FFF2-40B4-BE49-F238E27FC236}">
+                <a16:creationId xmlns:a16="http://schemas.microsoft.com/office/drawing/2014/main" id="{5CB7B914-8C34-1A2E-55F9-87B7F1DF6B15}"/>
+              </a:ext>
+            </a:extLst>
+          </p:cNvPr>
+          <p:cNvCxnSpPr>
+            <a:cxnSpLocks/>
+          </p:cNvCxnSpPr>
+          <p:nvPr/>
+        </p:nvCxnSpPr>
+        <p:spPr>
+          <a:xfrm flipH="1" flipV="1">
+            <a:off x="6076149" y="2631082"/>
+            <a:ext cx="156333" cy="336253"/>
+          </a:xfrm>
+          <a:prstGeom prst="straightConnector1">
+            <a:avLst/>
+          </a:prstGeom>
+          <a:ln>
+            <a:tailEnd type="triangle"/>
+          </a:ln>
+        </p:spPr>
+        <p:style>
+          <a:lnRef idx="1">
+            <a:schemeClr val="accent1"/>
+          </a:lnRef>
+          <a:fillRef idx="0">
+            <a:schemeClr val="accent1"/>
+          </a:fillRef>
+          <a:effectRef idx="0">
+            <a:schemeClr val="accent1"/>
+          </a:effectRef>
+          <a:fontRef idx="minor">
+            <a:schemeClr val="tx1"/>
+          </a:fontRef>
+        </p:style>
+      </p:cxnSp>
+      <p:sp>
+        <p:nvSpPr>
+          <p:cNvPr id="15" name="TextBox 14">
+            <a:extLst>
+              <a:ext uri="{FF2B5EF4-FFF2-40B4-BE49-F238E27FC236}">
+                <a16:creationId xmlns:a16="http://schemas.microsoft.com/office/drawing/2014/main" id="{B25F4A9C-EFB7-D994-16D7-90AF9CC0906F}"/>
+              </a:ext>
+            </a:extLst>
+          </p:cNvPr>
+          <p:cNvSpPr txBox="1"/>
+          <p:nvPr/>
+        </p:nvSpPr>
+        <p:spPr>
+          <a:xfrm>
+            <a:off x="5861461" y="2888343"/>
+            <a:ext cx="1703122" cy="1200329"/>
+          </a:xfrm>
+          <a:prstGeom prst="rect">
+            <a:avLst/>
+          </a:prstGeom>
+          <a:noFill/>
+        </p:spPr>
+        <p:txBody>
+          <a:bodyPr wrap="square" rtlCol="1">
+            <a:spAutoFit/>
+          </a:bodyPr>
+          <a:lstStyle/>
+          <a:p>
+            <a:r>
+              <a:rPr lang="en-US" dirty="0"/>
+              <a:t>Bird sends location or disqualified (bird to PC)</a:t>
+            </a:r>
+            <a:endParaRPr lang="he-IL" dirty="0"/>
+          </a:p>
+        </p:txBody>
+      </p:sp>
+      <p:cxnSp>
+        <p:nvCxnSpPr>
+          <p:cNvPr id="19" name="Straight Arrow Connector 18">
+            <a:extLst>
+              <a:ext uri="{FF2B5EF4-FFF2-40B4-BE49-F238E27FC236}">
+                <a16:creationId xmlns:a16="http://schemas.microsoft.com/office/drawing/2014/main" id="{88C73DAE-80C9-7340-7BEB-67464DB50684}"/>
+              </a:ext>
+            </a:extLst>
+          </p:cNvPr>
+          <p:cNvCxnSpPr>
+            <a:cxnSpLocks/>
+          </p:cNvCxnSpPr>
+          <p:nvPr/>
+        </p:nvCxnSpPr>
+        <p:spPr>
+          <a:xfrm flipH="1" flipV="1">
+            <a:off x="6745192" y="2591586"/>
+            <a:ext cx="1595244" cy="375749"/>
+          </a:xfrm>
+          <a:prstGeom prst="straightConnector1">
+            <a:avLst/>
+          </a:prstGeom>
+          <a:ln>
+            <a:tailEnd type="triangle"/>
+          </a:ln>
+        </p:spPr>
+        <p:style>
+          <a:lnRef idx="1">
+            <a:schemeClr val="accent1"/>
+          </a:lnRef>
+          <a:fillRef idx="0">
+            <a:schemeClr val="accent1"/>
+          </a:fillRef>
+          <a:effectRef idx="0">
+            <a:schemeClr val="accent1"/>
+          </a:effectRef>
+          <a:fontRef idx="minor">
+            <a:schemeClr val="tx1"/>
+          </a:fontRef>
+        </p:style>
+      </p:cxnSp>
+      <p:sp>
+        <p:nvSpPr>
+          <p:cNvPr id="20" name="TextBox 19">
+            <a:extLst>
+              <a:ext uri="{FF2B5EF4-FFF2-40B4-BE49-F238E27FC236}">
+                <a16:creationId xmlns:a16="http://schemas.microsoft.com/office/drawing/2014/main" id="{E68BDAE4-88F4-678C-2409-4267EBEABB44}"/>
+              </a:ext>
+            </a:extLst>
+          </p:cNvPr>
+          <p:cNvSpPr txBox="1"/>
+          <p:nvPr/>
+        </p:nvSpPr>
+        <p:spPr>
+          <a:xfrm>
+            <a:off x="7723118" y="2967335"/>
+            <a:ext cx="1917074" cy="923330"/>
+          </a:xfrm>
+          <a:prstGeom prst="rect">
+            <a:avLst/>
+          </a:prstGeom>
+          <a:noFill/>
+        </p:spPr>
+        <p:txBody>
+          <a:bodyPr wrap="square" rtlCol="1">
+            <a:spAutoFit/>
+          </a:bodyPr>
+          <a:lstStyle/>
+          <a:p>
+            <a:r>
+              <a:rPr lang="en-US" dirty="0"/>
+              <a:t>PC sends location or disqualified</a:t>
+            </a:r>
+            <a:br>
+              <a:rPr lang="en-US" dirty="0"/>
+            </a:br>
+            <a:r>
+              <a:rPr lang="en-US" dirty="0"/>
+              <a:t>(PC to graphics)</a:t>
+            </a:r>
+            <a:endParaRPr lang="he-IL" dirty="0"/>
+          </a:p>
+        </p:txBody>
+      </p:sp>
+      <p:pic>
+        <p:nvPicPr>
+          <p:cNvPr id="32" name="Picture 31">
+            <a:extLst>
+              <a:ext uri="{FF2B5EF4-FFF2-40B4-BE49-F238E27FC236}">
+                <a16:creationId xmlns:a16="http://schemas.microsoft.com/office/drawing/2014/main" id="{9C4BDB56-16A9-C6CD-8EF7-4F2835561575}"/>
+              </a:ext>
+            </a:extLst>
+          </p:cNvPr>
+          <p:cNvPicPr>
+            <a:picLocks noChangeAspect="1"/>
+          </p:cNvPicPr>
+          <p:nvPr/>
+        </p:nvPicPr>
+        <p:blipFill>
+          <a:blip r:embed="rId2"/>
+          <a:stretch>
+            <a:fillRect/>
+          </a:stretch>
+        </p:blipFill>
+        <p:spPr>
+          <a:xfrm>
+            <a:off x="4492668" y="4462121"/>
+            <a:ext cx="2896004" cy="400106"/>
+          </a:xfrm>
+          <a:prstGeom prst="rect">
+            <a:avLst/>
+          </a:prstGeom>
+        </p:spPr>
+      </p:pic>
     </p:spTree>
     <p:extLst>
       <p:ext uri="{BB962C8B-B14F-4D97-AF65-F5344CB8AC3E}">
-        <p14:creationId xmlns:p14="http://schemas.microsoft.com/office/powerpoint/2010/main" val="2018229943"/>
+        <p14:creationId xmlns:p14="http://schemas.microsoft.com/office/powerpoint/2010/main" val="59948267"/>
       </p:ext>
     </p:extLst>
   </p:cSld>

--- a/Reports/Final Project Presentation.pptx
+++ b/Reports/Final Project Presentation.pptx
@@ -14,7 +14,8 @@
     <p:sldId id="264" r:id="rId8"/>
     <p:sldId id="261" r:id="rId9"/>
     <p:sldId id="265" r:id="rId10"/>
-    <p:sldId id="263" r:id="rId11"/>
+    <p:sldId id="266" r:id="rId11"/>
+    <p:sldId id="263" r:id="rId12"/>
   </p:sldIdLst>
   <p:sldSz cx="12192000" cy="6858000"/>
   <p:notesSz cx="6858000" cy="9144000"/>
@@ -127,6 +128,7 @@
             <p14:sldId id="264"/>
             <p14:sldId id="261"/>
             <p14:sldId id="265"/>
+            <p14:sldId id="266"/>
             <p14:sldId id="263"/>
           </p14:sldIdLst>
         </p14:section>
@@ -4007,6 +4009,198 @@
       </p:grpSpPr>
       <p:sp>
         <p:nvSpPr>
+          <p:cNvPr id="2" name="Title 1">
+            <a:extLst>
+              <a:ext uri="{FF2B5EF4-FFF2-40B4-BE49-F238E27FC236}">
+                <a16:creationId xmlns:a16="http://schemas.microsoft.com/office/drawing/2014/main" id="{256B449A-B5B9-4AD5-BCE2-8790C4EB12C9}"/>
+              </a:ext>
+            </a:extLst>
+          </p:cNvPr>
+          <p:cNvSpPr>
+            <a:spLocks noGrp="1"/>
+          </p:cNvSpPr>
+          <p:nvPr>
+            <p:ph type="title"/>
+          </p:nvPr>
+        </p:nvSpPr>
+        <p:spPr/>
+        <p:txBody>
+          <a:bodyPr/>
+          <a:lstStyle/>
+          <a:p>
+            <a:pPr algn="ctr" rtl="0"/>
+            <a:r>
+              <a:rPr lang="en-US" dirty="0"/>
+              <a:t>Statistics 2</a:t>
+            </a:r>
+            <a:endParaRPr lang="he-IL" dirty="0"/>
+          </a:p>
+        </p:txBody>
+      </p:sp>
+      <p:sp>
+        <p:nvSpPr>
+          <p:cNvPr id="3" name="Content Placeholder 2">
+            <a:extLst>
+              <a:ext uri="{FF2B5EF4-FFF2-40B4-BE49-F238E27FC236}">
+                <a16:creationId xmlns:a16="http://schemas.microsoft.com/office/drawing/2014/main" id="{5EA245F7-1521-9738-E77F-CA5B5CCF9CE4}"/>
+              </a:ext>
+            </a:extLst>
+          </p:cNvPr>
+          <p:cNvSpPr>
+            <a:spLocks noGrp="1"/>
+          </p:cNvSpPr>
+          <p:nvPr>
+            <p:ph idx="1"/>
+          </p:nvPr>
+        </p:nvSpPr>
+        <p:spPr>
+          <a:xfrm>
+            <a:off x="1097280" y="1581149"/>
+            <a:ext cx="10058400" cy="4703951"/>
+          </a:xfrm>
+        </p:spPr>
+        <p:txBody>
+          <a:bodyPr/>
+          <a:lstStyle/>
+          <a:p>
+            <a:pPr marL="0" indent="0" algn="l" rtl="0">
+              <a:buNone/>
+            </a:pPr>
+            <a:r>
+              <a:rPr lang="en-US" dirty="0"/>
+              <a:t>- We also display the </a:t>
+            </a:r>
+            <a:r>
+              <a:rPr lang="en-US" b="1" dirty="0"/>
+              <a:t>number of alive birds </a:t>
+            </a:r>
+            <a:r>
+              <a:rPr lang="en-US" dirty="0"/>
+              <a:t>per PC:</a:t>
+            </a:r>
+          </a:p>
+          <a:p>
+            <a:pPr algn="l" rtl="0"/>
+            <a:endParaRPr lang="he-IL" dirty="0"/>
+          </a:p>
+        </p:txBody>
+      </p:sp>
+      <p:pic>
+        <p:nvPicPr>
+          <p:cNvPr id="8" name="Picture 7" descr="A picture containing diagram&#10;&#10;Description automatically generated">
+            <a:extLst>
+              <a:ext uri="{FF2B5EF4-FFF2-40B4-BE49-F238E27FC236}">
+                <a16:creationId xmlns:a16="http://schemas.microsoft.com/office/drawing/2014/main" id="{7DD7FDA8-7017-BAC0-CC37-80F91EF7810B}"/>
+              </a:ext>
+            </a:extLst>
+          </p:cNvPr>
+          <p:cNvPicPr>
+            <a:picLocks noChangeAspect="1"/>
+          </p:cNvPicPr>
+          <p:nvPr/>
+        </p:nvPicPr>
+        <p:blipFill>
+          <a:blip r:embed="rId2">
+            <a:extLst>
+              <a:ext uri="{28A0092B-C50C-407E-A947-70E740481C1C}">
+                <a14:useLocalDpi xmlns:a14="http://schemas.microsoft.com/office/drawing/2010/main" val="0"/>
+              </a:ext>
+            </a:extLst>
+          </a:blip>
+          <a:stretch>
+            <a:fillRect/>
+          </a:stretch>
+        </p:blipFill>
+        <p:spPr>
+          <a:xfrm>
+            <a:off x="4421174" y="1990370"/>
+            <a:ext cx="3349651" cy="4023360"/>
+          </a:xfrm>
+          <a:prstGeom prst="rect">
+            <a:avLst/>
+          </a:prstGeom>
+        </p:spPr>
+      </p:pic>
+      <p:sp>
+        <p:nvSpPr>
+          <p:cNvPr id="9" name="Oval 8">
+            <a:extLst>
+              <a:ext uri="{FF2B5EF4-FFF2-40B4-BE49-F238E27FC236}">
+                <a16:creationId xmlns:a16="http://schemas.microsoft.com/office/drawing/2014/main" id="{B276D2DF-80B1-978D-9189-BFA1EA7577C6}"/>
+              </a:ext>
+            </a:extLst>
+          </p:cNvPr>
+          <p:cNvSpPr/>
+          <p:nvPr/>
+        </p:nvSpPr>
+        <p:spPr>
+          <a:xfrm>
+            <a:off x="4133850" y="5648325"/>
+            <a:ext cx="2562225" cy="457200"/>
+          </a:xfrm>
+          <a:prstGeom prst="ellipse">
+            <a:avLst/>
+          </a:prstGeom>
+          <a:noFill/>
+          <a:ln w="38100"/>
+        </p:spPr>
+        <p:style>
+          <a:lnRef idx="2">
+            <a:schemeClr val="accent1">
+              <a:shade val="50000"/>
+            </a:schemeClr>
+          </a:lnRef>
+          <a:fillRef idx="1">
+            <a:schemeClr val="accent1"/>
+          </a:fillRef>
+          <a:effectRef idx="0">
+            <a:schemeClr val="accent1"/>
+          </a:effectRef>
+          <a:fontRef idx="minor">
+            <a:schemeClr val="lt1"/>
+          </a:fontRef>
+        </p:style>
+        <p:txBody>
+          <a:bodyPr rtlCol="1" anchor="ctr"/>
+          <a:lstStyle/>
+          <a:p>
+            <a:pPr algn="ctr"/>
+            <a:endParaRPr lang="he-IL"/>
+          </a:p>
+        </p:txBody>
+      </p:sp>
+    </p:spTree>
+    <p:extLst>
+      <p:ext uri="{BB962C8B-B14F-4D97-AF65-F5344CB8AC3E}">
+        <p14:creationId xmlns:p14="http://schemas.microsoft.com/office/powerpoint/2010/main" val="2022212235"/>
+      </p:ext>
+    </p:extLst>
+  </p:cSld>
+  <p:clrMapOvr>
+    <a:masterClrMapping/>
+  </p:clrMapOvr>
+</p:sld>
+</file>
+
+<file path=ppt/slides/slide11.xml><?xml version="1.0" encoding="utf-8"?>
+<p:sld xmlns:a="http://schemas.openxmlformats.org/drawingml/2006/main" xmlns:r="http://schemas.openxmlformats.org/officeDocument/2006/relationships" xmlns:p="http://schemas.openxmlformats.org/presentationml/2006/main">
+  <p:cSld>
+    <p:spTree>
+      <p:nvGrpSpPr>
+        <p:cNvPr id="1" name=""/>
+        <p:cNvGrpSpPr/>
+        <p:nvPr/>
+      </p:nvGrpSpPr>
+      <p:grpSpPr>
+        <a:xfrm>
+          <a:off x="0" y="0"/>
+          <a:ext cx="0" cy="0"/>
+          <a:chOff x="0" y="0"/>
+          <a:chExt cx="0" cy="0"/>
+        </a:xfrm>
+      </p:grpSpPr>
+      <p:sp>
+        <p:nvSpPr>
           <p:cNvPr id="2" name="כותרת 1"/>
           <p:cNvSpPr>
             <a:spLocks noGrp="1"/>
@@ -5324,7 +5518,7 @@
             <a:pPr algn="ctr"/>
             <a:r>
               <a:rPr lang="en-US" dirty="0"/>
-              <a:t>Statistics</a:t>
+              <a:t>Statistics 1</a:t>
             </a:r>
             <a:endParaRPr lang="he-IL" dirty="0"/>
           </a:p>
@@ -5346,9 +5540,16 @@
             <p:ph idx="1"/>
           </p:nvPr>
         </p:nvSpPr>
-        <p:spPr/>
-        <p:txBody>
-          <a:bodyPr/>
+        <p:spPr>
+          <a:xfrm>
+            <a:off x="1097280" y="1551709"/>
+            <a:ext cx="10058400" cy="4733391"/>
+          </a:xfrm>
+        </p:spPr>
+        <p:txBody>
+          <a:bodyPr>
+            <a:normAutofit fontScale="85000" lnSpcReduction="20000"/>
+          </a:bodyPr>
           <a:lstStyle/>
           <a:p>
             <a:pPr algn="l" rtl="0"/>
@@ -5377,7 +5578,7 @@
             <a:pPr algn="ctr" rtl="0"/>
             <a:r>
               <a:rPr lang="en-US" dirty="0"/>
-              <a:t>1 + 400 + 400 + 400 = 1201</a:t>
+              <a:t>4 + 400 + 400 + 400 = 1204</a:t>
             </a:r>
           </a:p>
           <a:p>
@@ -5393,37 +5594,83 @@
             <a:endParaRPr lang="en-US" baseline="30000" dirty="0"/>
           </a:p>
           <a:p>
+            <a:pPr marL="0" indent="0" algn="l" rtl="0">
+              <a:buNone/>
+            </a:pPr>
+            <a:endParaRPr lang="en-US" baseline="30000" dirty="0"/>
+          </a:p>
+          <a:p>
+            <a:pPr marL="0" indent="0" algn="l" rtl="0">
+              <a:buNone/>
+            </a:pPr>
+            <a:br>
+              <a:rPr lang="en-US" dirty="0"/>
+            </a:br>
+            <a:r>
+              <a:rPr lang="en-US" dirty="0"/>
+              <a:t>- If a bird asks its NN whether to jump, we will add to the number of messages (for 1 bird):</a:t>
+            </a:r>
+          </a:p>
+          <a:p>
+            <a:pPr marL="0" indent="0" algn="ctr" rtl="0">
+              <a:buNone/>
+            </a:pPr>
+            <a:r>
+              <a:rPr lang="en-US" dirty="0"/>
+              <a:t>1 + 1*9+9*6+6*6+6*6+6*1 + 1 + 1</a:t>
+            </a:r>
+          </a:p>
+          <a:p>
+            <a:pPr marL="0" indent="0" algn="l" rtl="0">
+              <a:buNone/>
+            </a:pPr>
+            <a:endParaRPr lang="en-US" baseline="30000" dirty="0"/>
+          </a:p>
+          <a:p>
+            <a:pPr marL="0" indent="0" algn="l" rtl="0">
+              <a:buNone/>
+            </a:pPr>
+            <a:endParaRPr lang="en-US" baseline="30000" dirty="0"/>
+          </a:p>
+          <a:p>
+            <a:pPr marL="0" indent="0" algn="l" rtl="0">
+              <a:buNone/>
+            </a:pPr>
+            <a:endParaRPr lang="en-US" baseline="30000" dirty="0"/>
+          </a:p>
+          <a:p>
+            <a:pPr marL="0" indent="0" algn="l" rtl="0">
+              <a:buNone/>
+            </a:pPr>
+            <a:endParaRPr lang="en-US" baseline="30000" dirty="0"/>
+          </a:p>
+          <a:p>
             <a:pPr algn="l" rtl="0"/>
-            <a:r>
-              <a:rPr lang="en-US" dirty="0"/>
-              <a:t>- We display the </a:t>
-            </a:r>
-            <a:r>
-              <a:rPr lang="en-US" b="1" dirty="0"/>
-              <a:t>number of alive birds </a:t>
-            </a:r>
-            <a:r>
-              <a:rPr lang="en-US" dirty="0"/>
-              <a:t>per PC:</a:t>
-            </a:r>
-          </a:p>
-          <a:p>
-            <a:pPr algn="l" rtl="0"/>
-            <a:endParaRPr lang="en-US" dirty="0"/>
-          </a:p>
-          <a:p>
-            <a:pPr algn="l" rtl="0"/>
-            <a:endParaRPr lang="en-US" baseline="30000" dirty="0"/>
-          </a:p>
-          <a:p>
-            <a:pPr algn="l" rtl="0"/>
+            <a:br>
+              <a:rPr lang="en-US" baseline="30000" dirty="0"/>
+            </a:br>
             <a:r>
               <a:rPr lang="en-US" baseline="30000" dirty="0"/>
               <a:t>1</a:t>
             </a:r>
             <a:r>
               <a:rPr lang="en-US" dirty="0"/>
-              <a:t> Number of birds is 400 (100 per PC)</a:t>
+              <a:t> </a:t>
+            </a:r>
+            <a:r>
+              <a:rPr lang="en-US" sz="1500" dirty="0"/>
+              <a:t>Number of birds is 400 (100 per PC).</a:t>
+            </a:r>
+            <a:br>
+              <a:rPr lang="en-US" sz="1500" baseline="30000" dirty="0"/>
+            </a:br>
+            <a:r>
+              <a:rPr lang="en-US" sz="1500" baseline="30000" dirty="0"/>
+              <a:t>2 </a:t>
+            </a:r>
+            <a:r>
+              <a:rPr lang="en-US" sz="1500" dirty="0"/>
+              <a:t>Optional message.</a:t>
             </a:r>
             <a:endParaRPr lang="he-IL" dirty="0"/>
           </a:p>
@@ -5446,7 +5693,7 @@
         </p:nvCxnSpPr>
         <p:spPr>
           <a:xfrm flipV="1">
-            <a:off x="3424617" y="2591586"/>
+            <a:off x="3424617" y="2296025"/>
             <a:ext cx="1403223" cy="312195"/>
           </a:xfrm>
           <a:prstGeom prst="straightConnector1">
@@ -5485,8 +5732,8 @@
         </p:nvSpPr>
         <p:spPr>
           <a:xfrm>
-            <a:off x="2571902" y="2903781"/>
-            <a:ext cx="1705429" cy="646331"/>
+            <a:off x="2571902" y="2608220"/>
+            <a:ext cx="1705429" cy="584775"/>
           </a:xfrm>
           <a:prstGeom prst="rect">
             <a:avLst/>
@@ -5500,17 +5747,17 @@
           <a:lstStyle/>
           <a:p>
             <a:r>
-              <a:rPr lang="en-US" dirty="0"/>
+              <a:rPr lang="en-US" sz="1600" dirty="0"/>
               <a:t>Simulate frame</a:t>
             </a:r>
             <a:br>
-              <a:rPr lang="en-US" dirty="0"/>
+              <a:rPr lang="en-US" sz="1600" dirty="0"/>
             </a:br>
             <a:r>
-              <a:rPr lang="en-US" dirty="0"/>
+              <a:rPr lang="en-US" sz="1600" dirty="0"/>
               <a:t>(graphics to PC)</a:t>
             </a:r>
-            <a:endParaRPr lang="he-IL" dirty="0"/>
+            <a:endParaRPr lang="he-IL" sz="1600" dirty="0"/>
           </a:p>
         </p:txBody>
       </p:sp>
@@ -5531,7 +5778,7 @@
         </p:nvCxnSpPr>
         <p:spPr>
           <a:xfrm flipV="1">
-            <a:off x="5087956" y="2634611"/>
+            <a:off x="5087956" y="2339050"/>
             <a:ext cx="183671" cy="332724"/>
           </a:xfrm>
           <a:prstGeom prst="straightConnector1">
@@ -5570,8 +5817,8 @@
         </p:nvSpPr>
         <p:spPr>
           <a:xfrm>
-            <a:off x="4235241" y="2967335"/>
-            <a:ext cx="1705429" cy="646331"/>
+            <a:off x="4235241" y="2671774"/>
+            <a:ext cx="1705429" cy="584775"/>
           </a:xfrm>
           <a:prstGeom prst="rect">
             <a:avLst/>
@@ -5585,10 +5832,10 @@
           <a:lstStyle/>
           <a:p>
             <a:r>
-              <a:rPr lang="en-US" dirty="0"/>
+              <a:rPr lang="en-US" sz="1600" dirty="0"/>
               <a:t>Simulate frame (PC to birds)</a:t>
             </a:r>
-            <a:endParaRPr lang="he-IL" dirty="0"/>
+            <a:endParaRPr lang="he-IL" sz="1600" dirty="0"/>
           </a:p>
         </p:txBody>
       </p:sp>
@@ -5608,7 +5855,7 @@
         </p:nvCxnSpPr>
         <p:spPr>
           <a:xfrm flipH="1" flipV="1">
-            <a:off x="6076149" y="2631082"/>
+            <a:off x="6076149" y="2335521"/>
             <a:ext cx="156333" cy="336253"/>
           </a:xfrm>
           <a:prstGeom prst="straightConnector1">
@@ -5647,8 +5894,8 @@
         </p:nvSpPr>
         <p:spPr>
           <a:xfrm>
-            <a:off x="5861461" y="2888343"/>
-            <a:ext cx="1703122" cy="1200329"/>
+            <a:off x="5861461" y="2592782"/>
+            <a:ext cx="1742548" cy="830997"/>
           </a:xfrm>
           <a:prstGeom prst="rect">
             <a:avLst/>
@@ -5662,10 +5909,17 @@
           <a:lstStyle/>
           <a:p>
             <a:r>
-              <a:rPr lang="en-US" dirty="0"/>
-              <a:t>Bird sends location or disqualified (bird to PC)</a:t>
-            </a:r>
-            <a:endParaRPr lang="he-IL" dirty="0"/>
+              <a:rPr lang="en-US" sz="1600" dirty="0"/>
+              <a:t>Bird sends location or disqualified</a:t>
+            </a:r>
+            <a:br>
+              <a:rPr lang="en-US" sz="1600" dirty="0"/>
+            </a:br>
+            <a:r>
+              <a:rPr lang="en-US" sz="1600" dirty="0"/>
+              <a:t>(bird to PC)</a:t>
+            </a:r>
+            <a:endParaRPr lang="he-IL" sz="1600" dirty="0"/>
           </a:p>
         </p:txBody>
       </p:sp>
@@ -5685,7 +5939,7 @@
         </p:nvCxnSpPr>
         <p:spPr>
           <a:xfrm flipH="1" flipV="1">
-            <a:off x="6745192" y="2591586"/>
+            <a:off x="6745192" y="2296025"/>
             <a:ext cx="1595244" cy="375749"/>
           </a:xfrm>
           <a:prstGeom prst="straightConnector1">
@@ -5724,8 +5978,8 @@
         </p:nvSpPr>
         <p:spPr>
           <a:xfrm>
-            <a:off x="7723118" y="2967335"/>
-            <a:ext cx="1917074" cy="923330"/>
+            <a:off x="7723118" y="2671774"/>
+            <a:ext cx="1917074" cy="830997"/>
           </a:xfrm>
           <a:prstGeom prst="rect">
             <a:avLst/>
@@ -5739,50 +5993,355 @@
           <a:lstStyle/>
           <a:p>
             <a:r>
-              <a:rPr lang="en-US" dirty="0"/>
+              <a:rPr lang="en-US" sz="1600" dirty="0"/>
               <a:t>PC sends location or disqualified</a:t>
             </a:r>
             <a:br>
-              <a:rPr lang="en-US" dirty="0"/>
+              <a:rPr lang="en-US" sz="1600" dirty="0"/>
             </a:br>
             <a:r>
-              <a:rPr lang="en-US" dirty="0"/>
+              <a:rPr lang="en-US" sz="1600" dirty="0"/>
               <a:t>(PC to graphics)</a:t>
             </a:r>
-            <a:endParaRPr lang="he-IL" dirty="0"/>
-          </a:p>
-        </p:txBody>
-      </p:sp>
-      <p:pic>
-        <p:nvPicPr>
-          <p:cNvPr id="32" name="Picture 31">
+            <a:endParaRPr lang="he-IL" sz="1600" dirty="0"/>
+          </a:p>
+        </p:txBody>
+      </p:sp>
+      <p:cxnSp>
+        <p:nvCxnSpPr>
+          <p:cNvPr id="42" name="Straight Arrow Connector 41">
             <a:extLst>
               <a:ext uri="{FF2B5EF4-FFF2-40B4-BE49-F238E27FC236}">
-                <a16:creationId xmlns:a16="http://schemas.microsoft.com/office/drawing/2014/main" id="{9C4BDB56-16A9-C6CD-8EF7-4F2835561575}"/>
+                <a16:creationId xmlns:a16="http://schemas.microsoft.com/office/drawing/2014/main" id="{9D592E46-024C-E50A-3B87-2500BE66B2D4}"/>
               </a:ext>
             </a:extLst>
           </p:cNvPr>
-          <p:cNvPicPr>
-            <a:picLocks noChangeAspect="1"/>
-          </p:cNvPicPr>
+          <p:cNvCxnSpPr>
+            <a:cxnSpLocks/>
+            <a:stCxn id="43" idx="0"/>
+          </p:cNvCxnSpPr>
           <p:nvPr/>
-        </p:nvPicPr>
-        <p:blipFill>
-          <a:blip r:embed="rId2"/>
-          <a:stretch>
-            <a:fillRect/>
-          </a:stretch>
-        </p:blipFill>
-        <p:spPr>
-          <a:xfrm>
-            <a:off x="4492668" y="4462121"/>
-            <a:ext cx="2896004" cy="400106"/>
+        </p:nvCxnSpPr>
+        <p:spPr>
+          <a:xfrm flipV="1">
+            <a:off x="3567781" y="4384844"/>
+            <a:ext cx="1047097" cy="463192"/>
+          </a:xfrm>
+          <a:prstGeom prst="straightConnector1">
+            <a:avLst/>
+          </a:prstGeom>
+          <a:ln>
+            <a:tailEnd type="triangle"/>
+          </a:ln>
+        </p:spPr>
+        <p:style>
+          <a:lnRef idx="1">
+            <a:schemeClr val="accent1"/>
+          </a:lnRef>
+          <a:fillRef idx="0">
+            <a:schemeClr val="accent1"/>
+          </a:fillRef>
+          <a:effectRef idx="0">
+            <a:schemeClr val="accent1"/>
+          </a:effectRef>
+          <a:fontRef idx="minor">
+            <a:schemeClr val="tx1"/>
+          </a:fontRef>
+        </p:style>
+      </p:cxnSp>
+      <p:sp>
+        <p:nvSpPr>
+          <p:cNvPr id="43" name="TextBox 42">
+            <a:extLst>
+              <a:ext uri="{FF2B5EF4-FFF2-40B4-BE49-F238E27FC236}">
+                <a16:creationId xmlns:a16="http://schemas.microsoft.com/office/drawing/2014/main" id="{27B9FA93-6C4E-5F1D-01E0-CB69F29DAA8D}"/>
+              </a:ext>
+            </a:extLst>
+          </p:cNvPr>
+          <p:cNvSpPr txBox="1"/>
+          <p:nvPr/>
+        </p:nvSpPr>
+        <p:spPr>
+          <a:xfrm>
+            <a:off x="2715066" y="4848036"/>
+            <a:ext cx="1705429" cy="830997"/>
           </a:xfrm>
           <a:prstGeom prst="rect">
             <a:avLst/>
           </a:prstGeom>
-        </p:spPr>
-      </p:pic>
+          <a:noFill/>
+        </p:spPr>
+        <p:txBody>
+          <a:bodyPr wrap="square" rtlCol="1">
+            <a:spAutoFit/>
+          </a:bodyPr>
+          <a:lstStyle/>
+          <a:p>
+            <a:r>
+              <a:rPr lang="en-US" sz="1600" dirty="0"/>
+              <a:t>Ask NN whether to jump</a:t>
+            </a:r>
+            <a:br>
+              <a:rPr lang="en-US" sz="1600" dirty="0"/>
+            </a:br>
+            <a:r>
+              <a:rPr lang="en-US" sz="1600" dirty="0"/>
+              <a:t>(bird to NN)</a:t>
+            </a:r>
+            <a:endParaRPr lang="he-IL" sz="1600" dirty="0"/>
+          </a:p>
+        </p:txBody>
+      </p:sp>
+      <p:cxnSp>
+        <p:nvCxnSpPr>
+          <p:cNvPr id="44" name="Straight Arrow Connector 43">
+            <a:extLst>
+              <a:ext uri="{FF2B5EF4-FFF2-40B4-BE49-F238E27FC236}">
+                <a16:creationId xmlns:a16="http://schemas.microsoft.com/office/drawing/2014/main" id="{4EF750B5-8B69-5DAC-CF93-ADC5A1A55FAD}"/>
+              </a:ext>
+            </a:extLst>
+          </p:cNvPr>
+          <p:cNvCxnSpPr>
+            <a:cxnSpLocks/>
+            <a:stCxn id="45" idx="0"/>
+          </p:cNvCxnSpPr>
+          <p:nvPr/>
+        </p:nvCxnSpPr>
+        <p:spPr>
+          <a:xfrm flipV="1">
+            <a:off x="5327765" y="4448398"/>
+            <a:ext cx="380397" cy="463192"/>
+          </a:xfrm>
+          <a:prstGeom prst="straightConnector1">
+            <a:avLst/>
+          </a:prstGeom>
+          <a:ln>
+            <a:tailEnd type="triangle"/>
+          </a:ln>
+        </p:spPr>
+        <p:style>
+          <a:lnRef idx="1">
+            <a:schemeClr val="accent1"/>
+          </a:lnRef>
+          <a:fillRef idx="0">
+            <a:schemeClr val="accent1"/>
+          </a:fillRef>
+          <a:effectRef idx="0">
+            <a:schemeClr val="accent1"/>
+          </a:effectRef>
+          <a:fontRef idx="minor">
+            <a:schemeClr val="tx1"/>
+          </a:fontRef>
+        </p:style>
+      </p:cxnSp>
+      <p:sp>
+        <p:nvSpPr>
+          <p:cNvPr id="45" name="TextBox 44">
+            <a:extLst>
+              <a:ext uri="{FF2B5EF4-FFF2-40B4-BE49-F238E27FC236}">
+                <a16:creationId xmlns:a16="http://schemas.microsoft.com/office/drawing/2014/main" id="{9D40C236-47E3-BA66-7203-957235C5F18F}"/>
+              </a:ext>
+            </a:extLst>
+          </p:cNvPr>
+          <p:cNvSpPr txBox="1"/>
+          <p:nvPr/>
+        </p:nvSpPr>
+        <p:spPr>
+          <a:xfrm>
+            <a:off x="4430154" y="4911590"/>
+            <a:ext cx="1795221" cy="584775"/>
+          </a:xfrm>
+          <a:prstGeom prst="rect">
+            <a:avLst/>
+          </a:prstGeom>
+          <a:noFill/>
+        </p:spPr>
+        <p:txBody>
+          <a:bodyPr wrap="square" rtlCol="1">
+            <a:spAutoFit/>
+          </a:bodyPr>
+          <a:lstStyle/>
+          <a:p>
+            <a:r>
+              <a:rPr lang="en-US" sz="1600" dirty="0"/>
+              <a:t>Neurons messages</a:t>
+            </a:r>
+            <a:br>
+              <a:rPr lang="en-US" sz="1600" dirty="0"/>
+            </a:br>
+            <a:r>
+              <a:rPr lang="en-US" sz="1600" dirty="0"/>
+              <a:t>(neuron to neuron)</a:t>
+            </a:r>
+            <a:endParaRPr lang="he-IL" sz="1600" dirty="0"/>
+          </a:p>
+        </p:txBody>
+      </p:sp>
+      <p:cxnSp>
+        <p:nvCxnSpPr>
+          <p:cNvPr id="46" name="Straight Arrow Connector 45">
+            <a:extLst>
+              <a:ext uri="{FF2B5EF4-FFF2-40B4-BE49-F238E27FC236}">
+                <a16:creationId xmlns:a16="http://schemas.microsoft.com/office/drawing/2014/main" id="{73EDC341-4B8D-DC97-832D-82482BCF583E}"/>
+              </a:ext>
+            </a:extLst>
+          </p:cNvPr>
+          <p:cNvCxnSpPr>
+            <a:cxnSpLocks/>
+          </p:cNvCxnSpPr>
+          <p:nvPr/>
+        </p:nvCxnSpPr>
+        <p:spPr>
+          <a:xfrm flipV="1">
+            <a:off x="6961935" y="4451927"/>
+            <a:ext cx="228567" cy="463192"/>
+          </a:xfrm>
+          <a:prstGeom prst="straightConnector1">
+            <a:avLst/>
+          </a:prstGeom>
+          <a:ln>
+            <a:tailEnd type="triangle"/>
+          </a:ln>
+        </p:spPr>
+        <p:style>
+          <a:lnRef idx="1">
+            <a:schemeClr val="accent1"/>
+          </a:lnRef>
+          <a:fillRef idx="0">
+            <a:schemeClr val="accent1"/>
+          </a:fillRef>
+          <a:effectRef idx="0">
+            <a:schemeClr val="accent1"/>
+          </a:effectRef>
+          <a:fontRef idx="minor">
+            <a:schemeClr val="tx1"/>
+          </a:fontRef>
+        </p:style>
+      </p:cxnSp>
+      <p:sp>
+        <p:nvSpPr>
+          <p:cNvPr id="47" name="TextBox 46">
+            <a:extLst>
+              <a:ext uri="{FF2B5EF4-FFF2-40B4-BE49-F238E27FC236}">
+                <a16:creationId xmlns:a16="http://schemas.microsoft.com/office/drawing/2014/main" id="{532C0BBE-0BFB-69EE-050D-21C3235776C4}"/>
+              </a:ext>
+            </a:extLst>
+          </p:cNvPr>
+          <p:cNvSpPr txBox="1"/>
+          <p:nvPr/>
+        </p:nvSpPr>
+        <p:spPr>
+          <a:xfrm>
+            <a:off x="6199218" y="4911590"/>
+            <a:ext cx="1482340" cy="830997"/>
+          </a:xfrm>
+          <a:prstGeom prst="rect">
+            <a:avLst/>
+          </a:prstGeom>
+          <a:noFill/>
+        </p:spPr>
+        <p:txBody>
+          <a:bodyPr wrap="square" rtlCol="1">
+            <a:spAutoFit/>
+          </a:bodyPr>
+          <a:lstStyle/>
+          <a:p>
+            <a:r>
+              <a:rPr lang="en-US" sz="1600" dirty="0"/>
+              <a:t>Send to NN the answer</a:t>
+            </a:r>
+            <a:br>
+              <a:rPr lang="en-US" sz="1600" dirty="0"/>
+            </a:br>
+            <a:r>
+              <a:rPr lang="en-US" sz="1600" dirty="0"/>
+              <a:t>(neuron to NN)</a:t>
+            </a:r>
+            <a:endParaRPr lang="he-IL" sz="1600" dirty="0"/>
+          </a:p>
+        </p:txBody>
+      </p:sp>
+      <p:cxnSp>
+        <p:nvCxnSpPr>
+          <p:cNvPr id="48" name="Straight Arrow Connector 47">
+            <a:extLst>
+              <a:ext uri="{FF2B5EF4-FFF2-40B4-BE49-F238E27FC236}">
+                <a16:creationId xmlns:a16="http://schemas.microsoft.com/office/drawing/2014/main" id="{59B916BD-1B60-3C30-A2E7-BD354280AF5C}"/>
+              </a:ext>
+            </a:extLst>
+          </p:cNvPr>
+          <p:cNvCxnSpPr>
+            <a:cxnSpLocks/>
+          </p:cNvCxnSpPr>
+          <p:nvPr/>
+        </p:nvCxnSpPr>
+        <p:spPr>
+          <a:xfrm flipH="1" flipV="1">
+            <a:off x="7723118" y="4448398"/>
+            <a:ext cx="575758" cy="463192"/>
+          </a:xfrm>
+          <a:prstGeom prst="straightConnector1">
+            <a:avLst/>
+          </a:prstGeom>
+          <a:ln>
+            <a:tailEnd type="triangle"/>
+          </a:ln>
+        </p:spPr>
+        <p:style>
+          <a:lnRef idx="1">
+            <a:schemeClr val="accent1"/>
+          </a:lnRef>
+          <a:fillRef idx="0">
+            <a:schemeClr val="accent1"/>
+          </a:fillRef>
+          <a:effectRef idx="0">
+            <a:schemeClr val="accent1"/>
+          </a:effectRef>
+          <a:fontRef idx="minor">
+            <a:schemeClr val="tx1"/>
+          </a:fontRef>
+        </p:style>
+      </p:cxnSp>
+      <p:sp>
+        <p:nvSpPr>
+          <p:cNvPr id="49" name="TextBox 48">
+            <a:extLst>
+              <a:ext uri="{FF2B5EF4-FFF2-40B4-BE49-F238E27FC236}">
+                <a16:creationId xmlns:a16="http://schemas.microsoft.com/office/drawing/2014/main" id="{5F69519F-EFE1-4DD1-FF9E-07F17A2A1BAD}"/>
+              </a:ext>
+            </a:extLst>
+          </p:cNvPr>
+          <p:cNvSpPr txBox="1"/>
+          <p:nvPr/>
+        </p:nvSpPr>
+        <p:spPr>
+          <a:xfrm>
+            <a:off x="7681558" y="4911590"/>
+            <a:ext cx="1917074" cy="584775"/>
+          </a:xfrm>
+          <a:prstGeom prst="rect">
+            <a:avLst/>
+          </a:prstGeom>
+          <a:noFill/>
+        </p:spPr>
+        <p:txBody>
+          <a:bodyPr wrap="square" rtlCol="1">
+            <a:spAutoFit/>
+          </a:bodyPr>
+          <a:lstStyle/>
+          <a:p>
+            <a:r>
+              <a:rPr lang="en-US" sz="1600" dirty="0"/>
+              <a:t>NN tells the bird to jump</a:t>
+            </a:r>
+            <a:r>
+              <a:rPr lang="en-US" sz="1600" baseline="30000" dirty="0"/>
+              <a:t>2</a:t>
+            </a:r>
+            <a:endParaRPr lang="he-IL" sz="1600" dirty="0"/>
+          </a:p>
+        </p:txBody>
+      </p:sp>
     </p:spTree>
     <p:extLst>
       <p:ext uri="{BB962C8B-B14F-4D97-AF65-F5344CB8AC3E}">

--- a/Reports/Final Project Presentation.pptx
+++ b/Reports/Final Project Presentation.pptx
@@ -4085,90 +4085,111 @@
           </a:p>
         </p:txBody>
       </p:sp>
-      <p:pic>
-        <p:nvPicPr>
-          <p:cNvPr id="8" name="Picture 7" descr="A picture containing diagram&#10;&#10;Description automatically generated">
+      <p:grpSp>
+        <p:nvGrpSpPr>
+          <p:cNvPr id="4" name="Group 3">
             <a:extLst>
               <a:ext uri="{FF2B5EF4-FFF2-40B4-BE49-F238E27FC236}">
-                <a16:creationId xmlns:a16="http://schemas.microsoft.com/office/drawing/2014/main" id="{7DD7FDA8-7017-BAC0-CC37-80F91EF7810B}"/>
+                <a16:creationId xmlns:a16="http://schemas.microsoft.com/office/drawing/2014/main" id="{7F2B1F17-2C4E-A222-72E5-9269EA18E946}"/>
               </a:ext>
             </a:extLst>
           </p:cNvPr>
-          <p:cNvPicPr>
-            <a:picLocks noChangeAspect="1"/>
-          </p:cNvPicPr>
+          <p:cNvGrpSpPr/>
           <p:nvPr/>
-        </p:nvPicPr>
-        <p:blipFill>
-          <a:blip r:embed="rId2">
-            <a:extLst>
-              <a:ext uri="{28A0092B-C50C-407E-A947-70E740481C1C}">
-                <a14:useLocalDpi xmlns:a14="http://schemas.microsoft.com/office/drawing/2010/main" val="0"/>
-              </a:ext>
-            </a:extLst>
-          </a:blip>
-          <a:stretch>
-            <a:fillRect/>
-          </a:stretch>
-        </p:blipFill>
-        <p:spPr>
+        </p:nvGrpSpPr>
+        <p:grpSpPr>
           <a:xfrm>
-            <a:off x="4421174" y="1990370"/>
-            <a:ext cx="3349651" cy="4023360"/>
+            <a:off x="4124122" y="1932001"/>
+            <a:ext cx="3862287" cy="4370091"/>
+            <a:chOff x="4133850" y="1990370"/>
+            <a:chExt cx="3636975" cy="4115155"/>
           </a:xfrm>
-          <a:prstGeom prst="rect">
-            <a:avLst/>
-          </a:prstGeom>
-        </p:spPr>
-      </p:pic>
-      <p:sp>
-        <p:nvSpPr>
-          <p:cNvPr id="9" name="Oval 8">
-            <a:extLst>
-              <a:ext uri="{FF2B5EF4-FFF2-40B4-BE49-F238E27FC236}">
-                <a16:creationId xmlns:a16="http://schemas.microsoft.com/office/drawing/2014/main" id="{B276D2DF-80B1-978D-9189-BFA1EA7577C6}"/>
-              </a:ext>
-            </a:extLst>
-          </p:cNvPr>
-          <p:cNvSpPr/>
-          <p:nvPr/>
-        </p:nvSpPr>
-        <p:spPr>
-          <a:xfrm>
-            <a:off x="4133850" y="5648325"/>
-            <a:ext cx="2562225" cy="457200"/>
-          </a:xfrm>
-          <a:prstGeom prst="ellipse">
-            <a:avLst/>
-          </a:prstGeom>
-          <a:noFill/>
-          <a:ln w="38100"/>
-        </p:spPr>
-        <p:style>
-          <a:lnRef idx="2">
-            <a:schemeClr val="accent1">
-              <a:shade val="50000"/>
-            </a:schemeClr>
-          </a:lnRef>
-          <a:fillRef idx="1">
-            <a:schemeClr val="accent1"/>
-          </a:fillRef>
-          <a:effectRef idx="0">
-            <a:schemeClr val="accent1"/>
-          </a:effectRef>
-          <a:fontRef idx="minor">
-            <a:schemeClr val="lt1"/>
-          </a:fontRef>
-        </p:style>
-        <p:txBody>
-          <a:bodyPr rtlCol="1" anchor="ctr"/>
-          <a:lstStyle/>
-          <a:p>
-            <a:pPr algn="ctr"/>
-            <a:endParaRPr lang="he-IL"/>
-          </a:p>
-        </p:txBody>
-      </p:sp>
+        </p:grpSpPr>
+        <p:pic>
+          <p:nvPicPr>
+            <p:cNvPr id="8" name="Picture 7" descr="A picture containing diagram&#10;&#10;Description automatically generated">
+              <a:extLst>
+                <a:ext uri="{FF2B5EF4-FFF2-40B4-BE49-F238E27FC236}">
+                  <a16:creationId xmlns:a16="http://schemas.microsoft.com/office/drawing/2014/main" id="{7DD7FDA8-7017-BAC0-CC37-80F91EF7810B}"/>
+                </a:ext>
+              </a:extLst>
+            </p:cNvPr>
+            <p:cNvPicPr>
+              <a:picLocks noChangeAspect="1"/>
+            </p:cNvPicPr>
+            <p:nvPr/>
+          </p:nvPicPr>
+          <p:blipFill>
+            <a:blip r:embed="rId2">
+              <a:extLst>
+                <a:ext uri="{28A0092B-C50C-407E-A947-70E740481C1C}">
+                  <a14:useLocalDpi xmlns:a14="http://schemas.microsoft.com/office/drawing/2010/main" val="0"/>
+                </a:ext>
+              </a:extLst>
+            </a:blip>
+            <a:stretch>
+              <a:fillRect/>
+            </a:stretch>
+          </p:blipFill>
+          <p:spPr>
+            <a:xfrm>
+              <a:off x="4421174" y="1990370"/>
+              <a:ext cx="3349651" cy="4023360"/>
+            </a:xfrm>
+            <a:prstGeom prst="rect">
+              <a:avLst/>
+            </a:prstGeom>
+          </p:spPr>
+        </p:pic>
+        <p:sp>
+          <p:nvSpPr>
+            <p:cNvPr id="9" name="Oval 8">
+              <a:extLst>
+                <a:ext uri="{FF2B5EF4-FFF2-40B4-BE49-F238E27FC236}">
+                  <a16:creationId xmlns:a16="http://schemas.microsoft.com/office/drawing/2014/main" id="{B276D2DF-80B1-978D-9189-BFA1EA7577C6}"/>
+                </a:ext>
+              </a:extLst>
+            </p:cNvPr>
+            <p:cNvSpPr/>
+            <p:nvPr/>
+          </p:nvSpPr>
+          <p:spPr>
+            <a:xfrm>
+              <a:off x="4133850" y="5648325"/>
+              <a:ext cx="2562225" cy="457200"/>
+            </a:xfrm>
+            <a:prstGeom prst="ellipse">
+              <a:avLst/>
+            </a:prstGeom>
+            <a:noFill/>
+            <a:ln w="38100"/>
+          </p:spPr>
+          <p:style>
+            <a:lnRef idx="2">
+              <a:schemeClr val="accent1">
+                <a:shade val="50000"/>
+              </a:schemeClr>
+            </a:lnRef>
+            <a:fillRef idx="1">
+              <a:schemeClr val="accent1"/>
+            </a:fillRef>
+            <a:effectRef idx="0">
+              <a:schemeClr val="accent1"/>
+            </a:effectRef>
+            <a:fontRef idx="minor">
+              <a:schemeClr val="lt1"/>
+            </a:fontRef>
+          </p:style>
+          <p:txBody>
+            <a:bodyPr rtlCol="1" anchor="ctr"/>
+            <a:lstStyle/>
+            <a:p>
+              <a:pPr algn="ctr"/>
+              <a:endParaRPr lang="he-IL"/>
+            </a:p>
+          </p:txBody>
+        </p:sp>
+      </p:grpSp>
     </p:spTree>
     <p:extLst>
       <p:ext uri="{BB962C8B-B14F-4D97-AF65-F5344CB8AC3E}">
@@ -4988,6 +5009,42 @@
           </a:extLst>
         </p:spPr>
       </p:pic>
+      <p:sp>
+        <p:nvSpPr>
+          <p:cNvPr id="4" name="TextBox 3">
+            <a:extLst>
+              <a:ext uri="{FF2B5EF4-FFF2-40B4-BE49-F238E27FC236}">
+                <a16:creationId xmlns:a16="http://schemas.microsoft.com/office/drawing/2014/main" id="{712B9942-C494-3FD2-62CA-3B2C07294C28}"/>
+              </a:ext>
+            </a:extLst>
+          </p:cNvPr>
+          <p:cNvSpPr txBox="1"/>
+          <p:nvPr/>
+        </p:nvSpPr>
+        <p:spPr>
+          <a:xfrm>
+            <a:off x="4883284" y="5168519"/>
+            <a:ext cx="1371600" cy="369332"/>
+          </a:xfrm>
+          <a:prstGeom prst="rect">
+            <a:avLst/>
+          </a:prstGeom>
+          <a:noFill/>
+        </p:spPr>
+        <p:txBody>
+          <a:bodyPr wrap="square" rtlCol="1">
+            <a:spAutoFit/>
+          </a:bodyPr>
+          <a:lstStyle/>
+          <a:p>
+            <a:r>
+              <a:rPr lang="en-US" b="1" dirty="0"/>
+              <a:t>(7 spikes)</a:t>
+            </a:r>
+            <a:endParaRPr lang="he-IL" b="1" dirty="0"/>
+          </a:p>
+        </p:txBody>
+      </p:sp>
     </p:spTree>
     <p:extLst>
       <p:ext uri="{BB962C8B-B14F-4D97-AF65-F5344CB8AC3E}">
@@ -5494,6 +5551,248 @@
           <a:chExt cx="0" cy="0"/>
         </a:xfrm>
       </p:grpSpPr>
+      <mc:AlternateContent xmlns:mc="http://schemas.openxmlformats.org/markup-compatibility/2006">
+        <mc:Choice xmlns:a14="http://schemas.microsoft.com/office/drawing/2010/main" Requires="a14">
+          <p:sp>
+            <p:nvSpPr>
+              <p:cNvPr id="37" name="TextBox 36">
+                <a:extLst>
+                  <a:ext uri="{FF2B5EF4-FFF2-40B4-BE49-F238E27FC236}">
+                    <a16:creationId xmlns:a16="http://schemas.microsoft.com/office/drawing/2014/main" id="{55A8EC47-E8FB-0C12-FA8D-12FAD1369B52}"/>
+                  </a:ext>
+                </a:extLst>
+              </p:cNvPr>
+              <p:cNvSpPr txBox="1"/>
+              <p:nvPr/>
+            </p:nvSpPr>
+            <p:spPr>
+              <a:xfrm>
+                <a:off x="3354565" y="3927707"/>
+                <a:ext cx="5977547" cy="646331"/>
+              </a:xfrm>
+              <a:prstGeom prst="rect">
+                <a:avLst/>
+              </a:prstGeom>
+              <a:noFill/>
+            </p:spPr>
+            <p:txBody>
+              <a:bodyPr wrap="square" rtlCol="1">
+                <a:spAutoFit/>
+              </a:bodyPr>
+              <a:lstStyle/>
+              <a:p>
+                <a14:m>
+                  <m:oMathPara xmlns:m="http://schemas.openxmlformats.org/officeDocument/2006/math">
+                    <m:oMathParaPr>
+                      <m:jc m:val="centerGroup"/>
+                    </m:oMathParaPr>
+                    <m:oMath xmlns:m="http://schemas.openxmlformats.org/officeDocument/2006/math">
+                      <m:r>
+                        <a:rPr lang="en-US" i="1" dirty="0" smtClean="0">
+                          <a:latin typeface="Cambria Math" panose="02040503050406030204" pitchFamily="18" charset="0"/>
+                        </a:rPr>
+                        <m:t>1</m:t>
+                      </m:r>
+                      <m:r>
+                        <a:rPr lang="en-US" i="1" dirty="0" smtClean="0">
+                          <a:latin typeface="Cambria Math" panose="02040503050406030204" pitchFamily="18" charset="0"/>
+                        </a:rPr>
+                        <m:t>+</m:t>
+                      </m:r>
+                      <m:r>
+                        <a:rPr lang="en-US" i="1" dirty="0" smtClean="0">
+                          <a:latin typeface="Cambria Math" panose="02040503050406030204" pitchFamily="18" charset="0"/>
+                        </a:rPr>
+                        <m:t>9</m:t>
+                      </m:r>
+                      <m:r>
+                        <a:rPr lang="en-US" i="1" dirty="0" smtClean="0">
+                          <a:latin typeface="Cambria Math" panose="02040503050406030204" pitchFamily="18" charset="0"/>
+                        </a:rPr>
+                        <m:t>+</m:t>
+                      </m:r>
+                      <m:r>
+                        <a:rPr lang="en-US" i="1" dirty="0" smtClean="0">
+                          <a:latin typeface="Cambria Math" panose="02040503050406030204" pitchFamily="18" charset="0"/>
+                        </a:rPr>
+                        <m:t>9</m:t>
+                      </m:r>
+                      <m:r>
+                        <a:rPr lang="en-US" i="1" dirty="0" smtClean="0">
+                          <a:latin typeface="Cambria Math" panose="02040503050406030204" pitchFamily="18" charset="0"/>
+                        </a:rPr>
+                        <m:t>∙</m:t>
+                      </m:r>
+                      <m:r>
+                        <a:rPr lang="en-US" i="1" dirty="0" smtClean="0">
+                          <a:latin typeface="Cambria Math" panose="02040503050406030204" pitchFamily="18" charset="0"/>
+                        </a:rPr>
+                        <m:t>6</m:t>
+                      </m:r>
+                      <m:r>
+                        <a:rPr lang="en-US" i="1" dirty="0" smtClean="0">
+                          <a:latin typeface="Cambria Math" panose="02040503050406030204" pitchFamily="18" charset="0"/>
+                        </a:rPr>
+                        <m:t>+</m:t>
+                      </m:r>
+                      <m:r>
+                        <a:rPr lang="en-US" i="1" dirty="0" smtClean="0">
+                          <a:latin typeface="Cambria Math" panose="02040503050406030204" pitchFamily="18" charset="0"/>
+                        </a:rPr>
+                        <m:t>6</m:t>
+                      </m:r>
+                      <m:r>
+                        <a:rPr lang="en-US" i="1" dirty="0" smtClean="0">
+                          <a:latin typeface="Cambria Math" panose="02040503050406030204" pitchFamily="18" charset="0"/>
+                        </a:rPr>
+                        <m:t>∙</m:t>
+                      </m:r>
+                      <m:r>
+                        <a:rPr lang="en-US" i="1" dirty="0" smtClean="0">
+                          <a:latin typeface="Cambria Math" panose="02040503050406030204" pitchFamily="18" charset="0"/>
+                        </a:rPr>
+                        <m:t>6</m:t>
+                      </m:r>
+                      <m:r>
+                        <a:rPr lang="en-US" i="1" dirty="0" smtClean="0">
+                          <a:latin typeface="Cambria Math" panose="02040503050406030204" pitchFamily="18" charset="0"/>
+                        </a:rPr>
+                        <m:t> + </m:t>
+                      </m:r>
+                      <m:r>
+                        <a:rPr lang="en-US" i="1" dirty="0" smtClean="0">
+                          <a:latin typeface="Cambria Math" panose="02040503050406030204" pitchFamily="18" charset="0"/>
+                        </a:rPr>
+                        <m:t>6</m:t>
+                      </m:r>
+                      <m:r>
+                        <a:rPr lang="en-US" i="1" dirty="0" smtClean="0">
+                          <a:latin typeface="Cambria Math" panose="02040503050406030204" pitchFamily="18" charset="0"/>
+                        </a:rPr>
+                        <m:t>∙</m:t>
+                      </m:r>
+                      <m:r>
+                        <a:rPr lang="en-US" i="1" dirty="0" smtClean="0">
+                          <a:latin typeface="Cambria Math" panose="02040503050406030204" pitchFamily="18" charset="0"/>
+                        </a:rPr>
+                        <m:t>6</m:t>
+                      </m:r>
+                      <m:r>
+                        <a:rPr lang="en-US" i="1" dirty="0" smtClean="0">
+                          <a:latin typeface="Cambria Math" panose="02040503050406030204" pitchFamily="18" charset="0"/>
+                        </a:rPr>
+                        <m:t> + </m:t>
+                      </m:r>
+                      <m:r>
+                        <a:rPr lang="en-US" i="1" dirty="0" smtClean="0">
+                          <a:latin typeface="Cambria Math" panose="02040503050406030204" pitchFamily="18" charset="0"/>
+                        </a:rPr>
+                        <m:t>6</m:t>
+                      </m:r>
+                      <m:r>
+                        <a:rPr lang="en-US" i="1" dirty="0" smtClean="0">
+                          <a:latin typeface="Cambria Math" panose="02040503050406030204" pitchFamily="18" charset="0"/>
+                        </a:rPr>
+                        <m:t>∙</m:t>
+                      </m:r>
+                      <m:r>
+                        <a:rPr lang="en-US" i="1" dirty="0" smtClean="0">
+                          <a:latin typeface="Cambria Math" panose="02040503050406030204" pitchFamily="18" charset="0"/>
+                        </a:rPr>
+                        <m:t>1</m:t>
+                      </m:r>
+                      <m:r>
+                        <a:rPr lang="en-US" i="1" dirty="0" smtClean="0">
+                          <a:latin typeface="Cambria Math" panose="02040503050406030204" pitchFamily="18" charset="0"/>
+                        </a:rPr>
+                        <m:t> + </m:t>
+                      </m:r>
+                      <m:r>
+                        <a:rPr lang="en-US" i="1" dirty="0" smtClean="0">
+                          <a:latin typeface="Cambria Math" panose="02040503050406030204" pitchFamily="18" charset="0"/>
+                        </a:rPr>
+                        <m:t>1</m:t>
+                      </m:r>
+                      <m:r>
+                        <a:rPr lang="en-US" i="1" dirty="0" smtClean="0">
+                          <a:latin typeface="Cambria Math" panose="02040503050406030204" pitchFamily="18" charset="0"/>
+                        </a:rPr>
+                        <m:t> + </m:t>
+                      </m:r>
+                      <m:r>
+                        <a:rPr lang="en-US" i="1" dirty="0" smtClean="0">
+                          <a:latin typeface="Cambria Math" panose="02040503050406030204" pitchFamily="18" charset="0"/>
+                        </a:rPr>
+                        <m:t>1</m:t>
+                      </m:r>
+                      <m:r>
+                        <a:rPr lang="en-US" b="0" i="1" dirty="0" smtClean="0">
+                          <a:latin typeface="Cambria Math" panose="02040503050406030204" pitchFamily="18" charset="0"/>
+                        </a:rPr>
+                        <m:t>=</m:t>
+                      </m:r>
+                      <m:r>
+                        <a:rPr lang="en-US" b="0" i="1" dirty="0" smtClean="0">
+                          <a:latin typeface="Cambria Math" panose="02040503050406030204" pitchFamily="18" charset="0"/>
+                        </a:rPr>
+                        <m:t>144</m:t>
+                      </m:r>
+                    </m:oMath>
+                  </m:oMathPara>
+                </a14:m>
+                <a:endParaRPr lang="en-US" dirty="0"/>
+              </a:p>
+              <a:p>
+                <a:endParaRPr lang="he-IL" dirty="0"/>
+              </a:p>
+            </p:txBody>
+          </p:sp>
+        </mc:Choice>
+        <mc:Fallback>
+          <p:sp>
+            <p:nvSpPr>
+              <p:cNvPr id="37" name="TextBox 36">
+                <a:extLst>
+                  <a:ext uri="{FF2B5EF4-FFF2-40B4-BE49-F238E27FC236}">
+                    <a16:creationId xmlns:a16="http://schemas.microsoft.com/office/drawing/2014/main" id="{55A8EC47-E8FB-0C12-FA8D-12FAD1369B52}"/>
+                  </a:ext>
+                </a:extLst>
+              </p:cNvPr>
+              <p:cNvSpPr txBox="1">
+                <a:spLocks noRot="1" noChangeAspect="1" noMove="1" noResize="1" noEditPoints="1" noAdjustHandles="1" noChangeArrowheads="1" noChangeShapeType="1" noTextEdit="1"/>
+              </p:cNvSpPr>
+              <p:nvPr/>
+            </p:nvSpPr>
+            <p:spPr>
+              <a:xfrm>
+                <a:off x="3354565" y="3927707"/>
+                <a:ext cx="5977547" cy="646331"/>
+              </a:xfrm>
+              <a:prstGeom prst="rect">
+                <a:avLst/>
+              </a:prstGeom>
+              <a:blipFill>
+                <a:blip r:embed="rId2"/>
+                <a:stretch>
+                  <a:fillRect/>
+                </a:stretch>
+              </a:blipFill>
+            </p:spPr>
+            <p:txBody>
+              <a:bodyPr/>
+              <a:lstStyle/>
+              <a:p>
+                <a:r>
+                  <a:rPr lang="he-IL">
+                    <a:noFill/>
+                  </a:rPr>
+                  <a:t> </a:t>
+                </a:r>
+              </a:p>
+            </p:txBody>
+          </p:sp>
+        </mc:Fallback>
+      </mc:AlternateContent>
       <p:sp>
         <p:nvSpPr>
           <p:cNvPr id="2" name="Title 1">
@@ -5524,158 +5823,290 @@
           </a:p>
         </p:txBody>
       </p:sp>
-      <p:sp>
-        <p:nvSpPr>
-          <p:cNvPr id="3" name="Content Placeholder 2">
-            <a:extLst>
-              <a:ext uri="{FF2B5EF4-FFF2-40B4-BE49-F238E27FC236}">
-                <a16:creationId xmlns:a16="http://schemas.microsoft.com/office/drawing/2014/main" id="{3FF0551A-C234-638F-4EE4-D8E3D0FBB5AE}"/>
-              </a:ext>
-            </a:extLst>
-          </p:cNvPr>
-          <p:cNvSpPr>
-            <a:spLocks noGrp="1"/>
-          </p:cNvSpPr>
-          <p:nvPr>
-            <p:ph idx="1"/>
-          </p:nvPr>
-        </p:nvSpPr>
-        <p:spPr>
-          <a:xfrm>
-            <a:off x="1097280" y="1551709"/>
-            <a:ext cx="10058400" cy="4733391"/>
-          </a:xfrm>
-        </p:spPr>
-        <p:txBody>
-          <a:bodyPr>
-            <a:normAutofit fontScale="85000" lnSpcReduction="20000"/>
-          </a:bodyPr>
-          <a:lstStyle/>
-          <a:p>
-            <a:pPr algn="l" rtl="0"/>
-            <a:r>
-              <a:rPr lang="en-US" dirty="0"/>
-              <a:t>- We verified that the </a:t>
-            </a:r>
-            <a:r>
-              <a:rPr lang="en-US" b="1" dirty="0"/>
-              <a:t>number of messages </a:t>
-            </a:r>
-            <a:r>
-              <a:rPr lang="en-US" dirty="0"/>
-              <a:t>per single frame time in the system is</a:t>
-            </a:r>
-            <a:r>
-              <a:rPr lang="en-US" baseline="30000" dirty="0"/>
-              <a:t>1</a:t>
-            </a:r>
-            <a:r>
-              <a:rPr lang="en-US" dirty="0"/>
-              <a:t>:</a:t>
-            </a:r>
-          </a:p>
-          <a:p>
-            <a:pPr algn="ctr" rtl="0"/>
-            <a:r>
-              <a:rPr lang="en-US" dirty="0"/>
-              <a:t>4 + 400 + 400 + 400 = 1204</a:t>
-            </a:r>
-          </a:p>
-          <a:p>
-            <a:pPr algn="ctr" rtl="0"/>
-            <a:endParaRPr lang="en-US" dirty="0"/>
-          </a:p>
-          <a:p>
-            <a:pPr algn="l" rtl="0"/>
-            <a:endParaRPr lang="en-US" dirty="0"/>
-          </a:p>
-          <a:p>
-            <a:pPr algn="l" rtl="0"/>
-            <a:endParaRPr lang="en-US" baseline="30000" dirty="0"/>
-          </a:p>
-          <a:p>
-            <a:pPr marL="0" indent="0" algn="l" rtl="0">
-              <a:buNone/>
-            </a:pPr>
-            <a:endParaRPr lang="en-US" baseline="30000" dirty="0"/>
-          </a:p>
-          <a:p>
-            <a:pPr marL="0" indent="0" algn="l" rtl="0">
-              <a:buNone/>
-            </a:pPr>
-            <a:br>
-              <a:rPr lang="en-US" dirty="0"/>
-            </a:br>
-            <a:r>
-              <a:rPr lang="en-US" dirty="0"/>
-              <a:t>- If a bird asks its NN whether to jump, we will add to the number of messages (for 1 bird):</a:t>
-            </a:r>
-          </a:p>
-          <a:p>
-            <a:pPr marL="0" indent="0" algn="ctr" rtl="0">
-              <a:buNone/>
-            </a:pPr>
-            <a:r>
-              <a:rPr lang="en-US" dirty="0"/>
-              <a:t>1 + 1*9+9*6+6*6+6*6+6*1 + 1 + 1</a:t>
-            </a:r>
-          </a:p>
-          <a:p>
-            <a:pPr marL="0" indent="0" algn="l" rtl="0">
-              <a:buNone/>
-            </a:pPr>
-            <a:endParaRPr lang="en-US" baseline="30000" dirty="0"/>
-          </a:p>
-          <a:p>
-            <a:pPr marL="0" indent="0" algn="l" rtl="0">
-              <a:buNone/>
-            </a:pPr>
-            <a:endParaRPr lang="en-US" baseline="30000" dirty="0"/>
-          </a:p>
-          <a:p>
-            <a:pPr marL="0" indent="0" algn="l" rtl="0">
-              <a:buNone/>
-            </a:pPr>
-            <a:endParaRPr lang="en-US" baseline="30000" dirty="0"/>
-          </a:p>
-          <a:p>
-            <a:pPr marL="0" indent="0" algn="l" rtl="0">
-              <a:buNone/>
-            </a:pPr>
-            <a:endParaRPr lang="en-US" baseline="30000" dirty="0"/>
-          </a:p>
-          <a:p>
-            <a:pPr algn="l" rtl="0"/>
-            <a:br>
-              <a:rPr lang="en-US" baseline="30000" dirty="0"/>
-            </a:br>
-            <a:r>
-              <a:rPr lang="en-US" baseline="30000" dirty="0"/>
-              <a:t>1</a:t>
-            </a:r>
-            <a:r>
-              <a:rPr lang="en-US" dirty="0"/>
-              <a:t> </a:t>
-            </a:r>
-            <a:r>
-              <a:rPr lang="en-US" sz="1500" dirty="0"/>
-              <a:t>Number of birds is 400 (100 per PC).</a:t>
-            </a:r>
-            <a:br>
-              <a:rPr lang="en-US" sz="1500" baseline="30000" dirty="0"/>
-            </a:br>
-            <a:r>
-              <a:rPr lang="en-US" sz="1500" baseline="30000" dirty="0"/>
-              <a:t>2 </a:t>
-            </a:r>
-            <a:r>
-              <a:rPr lang="en-US" sz="1500" dirty="0"/>
-              <a:t>Optional message.</a:t>
-            </a:r>
-            <a:endParaRPr lang="he-IL" dirty="0"/>
-          </a:p>
-        </p:txBody>
-      </p:sp>
+      <mc:AlternateContent xmlns:mc="http://schemas.openxmlformats.org/markup-compatibility/2006">
+        <mc:Choice xmlns:a14="http://schemas.microsoft.com/office/drawing/2010/main" Requires="a14">
+          <p:sp>
+            <p:nvSpPr>
+              <p:cNvPr id="3" name="Content Placeholder 2">
+                <a:extLst>
+                  <a:ext uri="{FF2B5EF4-FFF2-40B4-BE49-F238E27FC236}">
+                    <a16:creationId xmlns:a16="http://schemas.microsoft.com/office/drawing/2014/main" id="{3FF0551A-C234-638F-4EE4-D8E3D0FBB5AE}"/>
+                  </a:ext>
+                </a:extLst>
+              </p:cNvPr>
+              <p:cNvSpPr>
+                <a:spLocks noGrp="1"/>
+              </p:cNvSpPr>
+              <p:nvPr>
+                <p:ph idx="1"/>
+              </p:nvPr>
+            </p:nvSpPr>
+            <p:spPr>
+              <a:xfrm>
+                <a:off x="1097280" y="1551709"/>
+                <a:ext cx="10058400" cy="4733391"/>
+              </a:xfrm>
+            </p:spPr>
+            <p:txBody>
+              <a:bodyPr>
+                <a:normAutofit fontScale="92500" lnSpcReduction="20000"/>
+              </a:bodyPr>
+              <a:lstStyle/>
+              <a:p>
+                <a:pPr algn="l" rtl="0"/>
+                <a:r>
+                  <a:rPr lang="en-US" dirty="0"/>
+                  <a:t>- We verified that the </a:t>
+                </a:r>
+                <a:r>
+                  <a:rPr lang="en-US" b="1" dirty="0"/>
+                  <a:t>number of messages </a:t>
+                </a:r>
+                <a:r>
+                  <a:rPr lang="en-US" dirty="0"/>
+                  <a:t>per single frame time in the system is</a:t>
+                </a:r>
+                <a:r>
+                  <a:rPr lang="en-US" baseline="30000" dirty="0"/>
+                  <a:t>1</a:t>
+                </a:r>
+                <a:r>
+                  <a:rPr lang="en-US" dirty="0"/>
+                  <a:t>:</a:t>
+                </a:r>
+              </a:p>
+              <a:p>
+                <a:pPr algn="ctr" rtl="0"/>
+                <a14:m>
+                  <m:oMath xmlns:m="http://schemas.openxmlformats.org/officeDocument/2006/math">
+                    <m:r>
+                      <a:rPr lang="en-US" i="1" dirty="0" smtClean="0">
+                        <a:solidFill>
+                          <a:schemeClr val="tx1"/>
+                        </a:solidFill>
+                        <a:latin typeface="Cambria Math" panose="02040503050406030204" pitchFamily="18" charset="0"/>
+                      </a:rPr>
+                      <m:t>4</m:t>
+                    </m:r>
+                    <m:r>
+                      <a:rPr lang="en-US" i="1" dirty="0" smtClean="0">
+                        <a:solidFill>
+                          <a:schemeClr val="tx1"/>
+                        </a:solidFill>
+                        <a:latin typeface="Cambria Math" panose="02040503050406030204" pitchFamily="18" charset="0"/>
+                      </a:rPr>
+                      <m:t>+</m:t>
+                    </m:r>
+                    <m:r>
+                      <a:rPr lang="en-US" i="1" dirty="0" smtClean="0">
+                        <a:solidFill>
+                          <a:schemeClr val="tx1"/>
+                        </a:solidFill>
+                        <a:latin typeface="Cambria Math" panose="02040503050406030204" pitchFamily="18" charset="0"/>
+                      </a:rPr>
+                      <m:t>400</m:t>
+                    </m:r>
+                    <m:r>
+                      <a:rPr lang="en-US" i="1" dirty="0" smtClean="0">
+                        <a:solidFill>
+                          <a:schemeClr val="tx1"/>
+                        </a:solidFill>
+                        <a:latin typeface="Cambria Math" panose="02040503050406030204" pitchFamily="18" charset="0"/>
+                      </a:rPr>
+                      <m:t>+</m:t>
+                    </m:r>
+                    <m:r>
+                      <a:rPr lang="en-US" i="1" dirty="0" smtClean="0">
+                        <a:solidFill>
+                          <a:schemeClr val="tx1"/>
+                        </a:solidFill>
+                        <a:latin typeface="Cambria Math" panose="02040503050406030204" pitchFamily="18" charset="0"/>
+                      </a:rPr>
+                      <m:t>400</m:t>
+                    </m:r>
+                    <m:r>
+                      <a:rPr lang="en-US" i="1" dirty="0" smtClean="0">
+                        <a:solidFill>
+                          <a:schemeClr val="tx1"/>
+                        </a:solidFill>
+                        <a:latin typeface="Cambria Math" panose="02040503050406030204" pitchFamily="18" charset="0"/>
+                      </a:rPr>
+                      <m:t>+</m:t>
+                    </m:r>
+                    <m:r>
+                      <a:rPr lang="en-US" i="1" dirty="0" smtClean="0">
+                        <a:solidFill>
+                          <a:schemeClr val="tx1"/>
+                        </a:solidFill>
+                        <a:latin typeface="Cambria Math" panose="02040503050406030204" pitchFamily="18" charset="0"/>
+                      </a:rPr>
+                      <m:t>400</m:t>
+                    </m:r>
+                    <m:r>
+                      <a:rPr lang="en-US" i="1" dirty="0" smtClean="0">
+                        <a:solidFill>
+                          <a:schemeClr val="tx1"/>
+                        </a:solidFill>
+                        <a:latin typeface="Cambria Math" panose="02040503050406030204" pitchFamily="18" charset="0"/>
+                      </a:rPr>
+                      <m:t>=</m:t>
+                    </m:r>
+                    <m:r>
+                      <a:rPr lang="en-US" i="1" dirty="0" smtClean="0">
+                        <a:solidFill>
+                          <a:schemeClr val="tx1"/>
+                        </a:solidFill>
+                        <a:latin typeface="Cambria Math" panose="02040503050406030204" pitchFamily="18" charset="0"/>
+                      </a:rPr>
+                      <m:t>1204</m:t>
+                    </m:r>
+                  </m:oMath>
+                </a14:m>
+                <a:endParaRPr lang="en-US" dirty="0">
+                  <a:solidFill>
+                    <a:schemeClr val="tx1"/>
+                  </a:solidFill>
+                </a:endParaRPr>
+              </a:p>
+              <a:p>
+                <a:pPr algn="l" rtl="0"/>
+                <a:br>
+                  <a:rPr lang="en-US" sz="1900" dirty="0"/>
+                </a:br>
+                <a:br>
+                  <a:rPr lang="en-US" sz="1900" dirty="0"/>
+                </a:br>
+                <a:br>
+                  <a:rPr lang="en-US" sz="1900" dirty="0"/>
+                </a:br>
+                <a:br>
+                  <a:rPr lang="en-US" sz="1900" dirty="0"/>
+                </a:br>
+                <a:endParaRPr lang="en-US" sz="1900" baseline="30000" dirty="0"/>
+              </a:p>
+              <a:p>
+                <a:pPr marL="0" indent="0" algn="l" rtl="0">
+                  <a:buNone/>
+                </a:pPr>
+                <a:br>
+                  <a:rPr lang="en-US" dirty="0"/>
+                </a:br>
+                <a:r>
+                  <a:rPr lang="en-US" dirty="0"/>
+                  <a:t>- If a bird asks its NN whether to jump, we will add to the number of messages (for 1 bird):</a:t>
+                </a:r>
+                <a:br>
+                  <a:rPr lang="en-US" dirty="0"/>
+                </a:br>
+                <a:endParaRPr lang="en-US" sz="1200" dirty="0"/>
+              </a:p>
+              <a:p>
+                <a:pPr marL="0" indent="0" algn="l" rtl="0">
+                  <a:buNone/>
+                </a:pPr>
+                <a:endParaRPr lang="en-US" baseline="30000" dirty="0"/>
+              </a:p>
+              <a:p>
+                <a:pPr marL="0" indent="0" algn="l" rtl="0">
+                  <a:buNone/>
+                </a:pPr>
+                <a:endParaRPr lang="en-US" baseline="30000" dirty="0"/>
+              </a:p>
+              <a:p>
+                <a:pPr marL="0" indent="0" algn="l" rtl="0">
+                  <a:buNone/>
+                </a:pPr>
+                <a:endParaRPr lang="en-US" baseline="30000" dirty="0"/>
+              </a:p>
+              <a:p>
+                <a:pPr marL="0" indent="0" algn="l" rtl="0">
+                  <a:buNone/>
+                </a:pPr>
+                <a:endParaRPr lang="en-US" baseline="30000" dirty="0"/>
+              </a:p>
+              <a:p>
+                <a:pPr algn="l" rtl="0"/>
+                <a:br>
+                  <a:rPr lang="en-US" baseline="30000" dirty="0"/>
+                </a:br>
+                <a:br>
+                  <a:rPr lang="en-US" baseline="30000" dirty="0"/>
+                </a:br>
+                <a:br>
+                  <a:rPr lang="en-US" baseline="30000" dirty="0"/>
+                </a:br>
+                <a:r>
+                  <a:rPr lang="en-US" baseline="30000" dirty="0"/>
+                  <a:t>1</a:t>
+                </a:r>
+                <a:r>
+                  <a:rPr lang="en-US" dirty="0"/>
+                  <a:t> </a:t>
+                </a:r>
+                <a:r>
+                  <a:rPr lang="en-US" sz="1500" dirty="0"/>
+                  <a:t>Number of birds is 400 (100 per PC).</a:t>
+                </a:r>
+                <a:br>
+                  <a:rPr lang="en-US" sz="1500" baseline="30000" dirty="0"/>
+                </a:br>
+                <a:r>
+                  <a:rPr lang="en-US" sz="1500" baseline="30000" dirty="0"/>
+                  <a:t>2 </a:t>
+                </a:r>
+                <a:r>
+                  <a:rPr lang="en-US" sz="1500" dirty="0"/>
+                  <a:t>Optional message.</a:t>
+                </a:r>
+                <a:endParaRPr lang="he-IL" dirty="0"/>
+              </a:p>
+            </p:txBody>
+          </p:sp>
+        </mc:Choice>
+        <mc:Fallback>
+          <p:sp>
+            <p:nvSpPr>
+              <p:cNvPr id="3" name="Content Placeholder 2">
+                <a:extLst>
+                  <a:ext uri="{FF2B5EF4-FFF2-40B4-BE49-F238E27FC236}">
+                    <a16:creationId xmlns:a16="http://schemas.microsoft.com/office/drawing/2014/main" id="{3FF0551A-C234-638F-4EE4-D8E3D0FBB5AE}"/>
+                  </a:ext>
+                </a:extLst>
+              </p:cNvPr>
+              <p:cNvSpPr>
+                <a:spLocks noGrp="1" noRot="1" noChangeAspect="1" noMove="1" noResize="1" noEditPoints="1" noAdjustHandles="1" noChangeArrowheads="1" noChangeShapeType="1" noTextEdit="1"/>
+              </p:cNvSpPr>
+              <p:nvPr>
+                <p:ph idx="1"/>
+              </p:nvPr>
+            </p:nvSpPr>
+            <p:spPr>
+              <a:xfrm>
+                <a:off x="1097280" y="1551709"/>
+                <a:ext cx="10058400" cy="4733391"/>
+              </a:xfrm>
+              <a:blipFill>
+                <a:blip r:embed="rId3"/>
+                <a:stretch>
+                  <a:fillRect l="-1455" t="-2191" b="-773"/>
+                </a:stretch>
+              </a:blipFill>
+            </p:spPr>
+            <p:txBody>
+              <a:bodyPr/>
+              <a:lstStyle/>
+              <a:p>
+                <a:r>
+                  <a:rPr lang="he-IL">
+                    <a:noFill/>
+                  </a:rPr>
+                  <a:t> </a:t>
+                </a:r>
+              </a:p>
+            </p:txBody>
+          </p:sp>
+        </mc:Fallback>
+      </mc:AlternateContent>
       <p:cxnSp>
         <p:nvCxnSpPr>
           <p:cNvPr id="5" name="Straight Arrow Connector 4">
@@ -5693,8 +6124,8 @@
         </p:nvCxnSpPr>
         <p:spPr>
           <a:xfrm flipV="1">
-            <a:off x="3424617" y="2296025"/>
-            <a:ext cx="1403223" cy="312195"/>
+            <a:off x="3492713" y="2216645"/>
+            <a:ext cx="1177993" cy="391575"/>
           </a:xfrm>
           <a:prstGeom prst="straightConnector1">
             <a:avLst/>
@@ -5732,7 +6163,7 @@
         </p:nvSpPr>
         <p:spPr>
           <a:xfrm>
-            <a:off x="2571902" y="2608220"/>
+            <a:off x="2639998" y="2608220"/>
             <a:ext cx="1705429" cy="584775"/>
           </a:xfrm>
           <a:prstGeom prst="rect">
@@ -5778,8 +6209,8 @@
         </p:nvCxnSpPr>
         <p:spPr>
           <a:xfrm flipV="1">
-            <a:off x="5087956" y="2339050"/>
-            <a:ext cx="183671" cy="332724"/>
+            <a:off x="5087956" y="2217906"/>
+            <a:ext cx="135797" cy="453868"/>
           </a:xfrm>
           <a:prstGeom prst="straightConnector1">
             <a:avLst/>
@@ -5850,13 +6281,14 @@
           </p:cNvPr>
           <p:cNvCxnSpPr>
             <a:cxnSpLocks/>
+            <a:stCxn id="15" idx="0"/>
           </p:cNvCxnSpPr>
           <p:nvPr/>
         </p:nvCxnSpPr>
         <p:spPr>
           <a:xfrm flipH="1" flipV="1">
-            <a:off x="6076149" y="2335521"/>
-            <a:ext cx="156333" cy="336253"/>
+            <a:off x="6008448" y="2217906"/>
+            <a:ext cx="597823" cy="374876"/>
           </a:xfrm>
           <a:prstGeom prst="straightConnector1">
             <a:avLst/>
@@ -5894,7 +6326,7 @@
         </p:nvSpPr>
         <p:spPr>
           <a:xfrm>
-            <a:off x="5861461" y="2592782"/>
+            <a:off x="5734997" y="2592782"/>
             <a:ext cx="1742548" cy="830997"/>
           </a:xfrm>
           <a:prstGeom prst="rect">
@@ -5934,13 +6366,14 @@
           </p:cNvPr>
           <p:cNvCxnSpPr>
             <a:cxnSpLocks/>
+            <a:stCxn id="20" idx="0"/>
           </p:cNvCxnSpPr>
           <p:nvPr/>
         </p:nvCxnSpPr>
         <p:spPr>
           <a:xfrm flipH="1" flipV="1">
-            <a:off x="6745192" y="2296025"/>
-            <a:ext cx="1595244" cy="375749"/>
+            <a:off x="6723509" y="2216645"/>
+            <a:ext cx="1870594" cy="455129"/>
           </a:xfrm>
           <a:prstGeom prst="straightConnector1">
             <a:avLst/>
@@ -5978,7 +6411,7 @@
         </p:nvSpPr>
         <p:spPr>
           <a:xfrm>
-            <a:off x="7723118" y="2671774"/>
+            <a:off x="7635566" y="2671774"/>
             <a:ext cx="1917074" cy="830997"/>
           </a:xfrm>
           <a:prstGeom prst="rect">
@@ -6007,341 +6440,492 @@
           </a:p>
         </p:txBody>
       </p:sp>
-      <p:cxnSp>
-        <p:nvCxnSpPr>
-          <p:cNvPr id="42" name="Straight Arrow Connector 41">
+      <p:grpSp>
+        <p:nvGrpSpPr>
+          <p:cNvPr id="55" name="Group 54">
             <a:extLst>
               <a:ext uri="{FF2B5EF4-FFF2-40B4-BE49-F238E27FC236}">
-                <a16:creationId xmlns:a16="http://schemas.microsoft.com/office/drawing/2014/main" id="{9D592E46-024C-E50A-3B87-2500BE66B2D4}"/>
+                <a16:creationId xmlns:a16="http://schemas.microsoft.com/office/drawing/2014/main" id="{C420D19E-12EF-F7A3-95EE-0C6FA901797E}"/>
               </a:ext>
             </a:extLst>
           </p:cNvPr>
-          <p:cNvCxnSpPr>
-            <a:cxnSpLocks/>
-            <a:stCxn id="43" idx="0"/>
-          </p:cNvCxnSpPr>
+          <p:cNvGrpSpPr/>
           <p:nvPr/>
-        </p:nvCxnSpPr>
-        <p:spPr>
-          <a:xfrm flipV="1">
-            <a:off x="3567781" y="4384844"/>
-            <a:ext cx="1047097" cy="463192"/>
+        </p:nvGrpSpPr>
+        <p:grpSpPr>
+          <a:xfrm>
+            <a:off x="1954486" y="4249506"/>
+            <a:ext cx="7809870" cy="1994120"/>
+            <a:chOff x="1944758" y="4249506"/>
+            <a:chExt cx="7809870" cy="1994120"/>
           </a:xfrm>
-          <a:prstGeom prst="straightConnector1">
-            <a:avLst/>
-          </a:prstGeom>
-          <a:ln>
-            <a:tailEnd type="triangle"/>
-          </a:ln>
-        </p:spPr>
-        <p:style>
-          <a:lnRef idx="1">
-            <a:schemeClr val="accent1"/>
-          </a:lnRef>
-          <a:fillRef idx="0">
-            <a:schemeClr val="accent1"/>
-          </a:fillRef>
-          <a:effectRef idx="0">
-            <a:schemeClr val="accent1"/>
-          </a:effectRef>
-          <a:fontRef idx="minor">
-            <a:schemeClr val="tx1"/>
-          </a:fontRef>
-        </p:style>
-      </p:cxnSp>
-      <p:sp>
-        <p:nvSpPr>
-          <p:cNvPr id="43" name="TextBox 42">
-            <a:extLst>
-              <a:ext uri="{FF2B5EF4-FFF2-40B4-BE49-F238E27FC236}">
-                <a16:creationId xmlns:a16="http://schemas.microsoft.com/office/drawing/2014/main" id="{27B9FA93-6C4E-5F1D-01E0-CB69F29DAA8D}"/>
-              </a:ext>
-            </a:extLst>
-          </p:cNvPr>
-          <p:cNvSpPr txBox="1"/>
-          <p:nvPr/>
-        </p:nvSpPr>
-        <p:spPr>
-          <a:xfrm>
-            <a:off x="2715066" y="4848036"/>
-            <a:ext cx="1705429" cy="830997"/>
-          </a:xfrm>
-          <a:prstGeom prst="rect">
-            <a:avLst/>
-          </a:prstGeom>
-          <a:noFill/>
-        </p:spPr>
-        <p:txBody>
-          <a:bodyPr wrap="square" rtlCol="1">
-            <a:spAutoFit/>
-          </a:bodyPr>
-          <a:lstStyle/>
-          <a:p>
-            <a:r>
-              <a:rPr lang="en-US" sz="1600" dirty="0"/>
-              <a:t>Ask NN whether to jump</a:t>
-            </a:r>
-            <a:br>
-              <a:rPr lang="en-US" sz="1600" dirty="0"/>
-            </a:br>
-            <a:r>
-              <a:rPr lang="en-US" sz="1600" dirty="0"/>
-              <a:t>(bird to NN)</a:t>
-            </a:r>
-            <a:endParaRPr lang="he-IL" sz="1600" dirty="0"/>
-          </a:p>
-        </p:txBody>
-      </p:sp>
-      <p:cxnSp>
-        <p:nvCxnSpPr>
-          <p:cNvPr id="44" name="Straight Arrow Connector 43">
-            <a:extLst>
-              <a:ext uri="{FF2B5EF4-FFF2-40B4-BE49-F238E27FC236}">
-                <a16:creationId xmlns:a16="http://schemas.microsoft.com/office/drawing/2014/main" id="{4EF750B5-8B69-5DAC-CF93-ADC5A1A55FAD}"/>
-              </a:ext>
-            </a:extLst>
-          </p:cNvPr>
-          <p:cNvCxnSpPr>
-            <a:cxnSpLocks/>
-            <a:stCxn id="45" idx="0"/>
-          </p:cNvCxnSpPr>
-          <p:nvPr/>
-        </p:nvCxnSpPr>
-        <p:spPr>
-          <a:xfrm flipV="1">
-            <a:off x="5327765" y="4448398"/>
-            <a:ext cx="380397" cy="463192"/>
-          </a:xfrm>
-          <a:prstGeom prst="straightConnector1">
-            <a:avLst/>
-          </a:prstGeom>
-          <a:ln>
-            <a:tailEnd type="triangle"/>
-          </a:ln>
-        </p:spPr>
-        <p:style>
-          <a:lnRef idx="1">
-            <a:schemeClr val="accent1"/>
-          </a:lnRef>
-          <a:fillRef idx="0">
-            <a:schemeClr val="accent1"/>
-          </a:fillRef>
-          <a:effectRef idx="0">
-            <a:schemeClr val="accent1"/>
-          </a:effectRef>
-          <a:fontRef idx="minor">
-            <a:schemeClr val="tx1"/>
-          </a:fontRef>
-        </p:style>
-      </p:cxnSp>
-      <p:sp>
-        <p:nvSpPr>
-          <p:cNvPr id="45" name="TextBox 44">
-            <a:extLst>
-              <a:ext uri="{FF2B5EF4-FFF2-40B4-BE49-F238E27FC236}">
-                <a16:creationId xmlns:a16="http://schemas.microsoft.com/office/drawing/2014/main" id="{9D40C236-47E3-BA66-7203-957235C5F18F}"/>
-              </a:ext>
-            </a:extLst>
-          </p:cNvPr>
-          <p:cNvSpPr txBox="1"/>
-          <p:nvPr/>
-        </p:nvSpPr>
-        <p:spPr>
-          <a:xfrm>
-            <a:off x="4430154" y="4911590"/>
-            <a:ext cx="1795221" cy="584775"/>
-          </a:xfrm>
-          <a:prstGeom prst="rect">
-            <a:avLst/>
-          </a:prstGeom>
-          <a:noFill/>
-        </p:spPr>
-        <p:txBody>
-          <a:bodyPr wrap="square" rtlCol="1">
-            <a:spAutoFit/>
-          </a:bodyPr>
-          <a:lstStyle/>
-          <a:p>
-            <a:r>
-              <a:rPr lang="en-US" sz="1600" dirty="0"/>
-              <a:t>Neurons messages</a:t>
-            </a:r>
-            <a:br>
-              <a:rPr lang="en-US" sz="1600" dirty="0"/>
-            </a:br>
-            <a:r>
-              <a:rPr lang="en-US" sz="1600" dirty="0"/>
-              <a:t>(neuron to neuron)</a:t>
-            </a:r>
-            <a:endParaRPr lang="he-IL" sz="1600" dirty="0"/>
-          </a:p>
-        </p:txBody>
-      </p:sp>
-      <p:cxnSp>
-        <p:nvCxnSpPr>
-          <p:cNvPr id="46" name="Straight Arrow Connector 45">
-            <a:extLst>
-              <a:ext uri="{FF2B5EF4-FFF2-40B4-BE49-F238E27FC236}">
-                <a16:creationId xmlns:a16="http://schemas.microsoft.com/office/drawing/2014/main" id="{73EDC341-4B8D-DC97-832D-82482BCF583E}"/>
-              </a:ext>
-            </a:extLst>
-          </p:cNvPr>
-          <p:cNvCxnSpPr>
-            <a:cxnSpLocks/>
-          </p:cNvCxnSpPr>
-          <p:nvPr/>
-        </p:nvCxnSpPr>
-        <p:spPr>
-          <a:xfrm flipV="1">
-            <a:off x="6961935" y="4451927"/>
-            <a:ext cx="228567" cy="463192"/>
-          </a:xfrm>
-          <a:prstGeom prst="straightConnector1">
-            <a:avLst/>
-          </a:prstGeom>
-          <a:ln>
-            <a:tailEnd type="triangle"/>
-          </a:ln>
-        </p:spPr>
-        <p:style>
-          <a:lnRef idx="1">
-            <a:schemeClr val="accent1"/>
-          </a:lnRef>
-          <a:fillRef idx="0">
-            <a:schemeClr val="accent1"/>
-          </a:fillRef>
-          <a:effectRef idx="0">
-            <a:schemeClr val="accent1"/>
-          </a:effectRef>
-          <a:fontRef idx="minor">
-            <a:schemeClr val="tx1"/>
-          </a:fontRef>
-        </p:style>
-      </p:cxnSp>
-      <p:sp>
-        <p:nvSpPr>
-          <p:cNvPr id="47" name="TextBox 46">
-            <a:extLst>
-              <a:ext uri="{FF2B5EF4-FFF2-40B4-BE49-F238E27FC236}">
-                <a16:creationId xmlns:a16="http://schemas.microsoft.com/office/drawing/2014/main" id="{532C0BBE-0BFB-69EE-050D-21C3235776C4}"/>
-              </a:ext>
-            </a:extLst>
-          </p:cNvPr>
-          <p:cNvSpPr txBox="1"/>
-          <p:nvPr/>
-        </p:nvSpPr>
-        <p:spPr>
-          <a:xfrm>
-            <a:off x="6199218" y="4911590"/>
-            <a:ext cx="1482340" cy="830997"/>
-          </a:xfrm>
-          <a:prstGeom prst="rect">
-            <a:avLst/>
-          </a:prstGeom>
-          <a:noFill/>
-        </p:spPr>
-        <p:txBody>
-          <a:bodyPr wrap="square" rtlCol="1">
-            <a:spAutoFit/>
-          </a:bodyPr>
-          <a:lstStyle/>
-          <a:p>
-            <a:r>
-              <a:rPr lang="en-US" sz="1600" dirty="0"/>
-              <a:t>Send to NN the answer</a:t>
-            </a:r>
-            <a:br>
-              <a:rPr lang="en-US" sz="1600" dirty="0"/>
-            </a:br>
-            <a:r>
-              <a:rPr lang="en-US" sz="1600" dirty="0"/>
-              <a:t>(neuron to NN)</a:t>
-            </a:r>
-            <a:endParaRPr lang="he-IL" sz="1600" dirty="0"/>
-          </a:p>
-        </p:txBody>
-      </p:sp>
-      <p:cxnSp>
-        <p:nvCxnSpPr>
-          <p:cNvPr id="48" name="Straight Arrow Connector 47">
-            <a:extLst>
-              <a:ext uri="{FF2B5EF4-FFF2-40B4-BE49-F238E27FC236}">
-                <a16:creationId xmlns:a16="http://schemas.microsoft.com/office/drawing/2014/main" id="{59B916BD-1B60-3C30-A2E7-BD354280AF5C}"/>
-              </a:ext>
-            </a:extLst>
-          </p:cNvPr>
-          <p:cNvCxnSpPr>
-            <a:cxnSpLocks/>
-          </p:cNvCxnSpPr>
-          <p:nvPr/>
-        </p:nvCxnSpPr>
-        <p:spPr>
-          <a:xfrm flipH="1" flipV="1">
-            <a:off x="7723118" y="4448398"/>
-            <a:ext cx="575758" cy="463192"/>
-          </a:xfrm>
-          <a:prstGeom prst="straightConnector1">
-            <a:avLst/>
-          </a:prstGeom>
-          <a:ln>
-            <a:tailEnd type="triangle"/>
-          </a:ln>
-        </p:spPr>
-        <p:style>
-          <a:lnRef idx="1">
-            <a:schemeClr val="accent1"/>
-          </a:lnRef>
-          <a:fillRef idx="0">
-            <a:schemeClr val="accent1"/>
-          </a:fillRef>
-          <a:effectRef idx="0">
-            <a:schemeClr val="accent1"/>
-          </a:effectRef>
-          <a:fontRef idx="minor">
-            <a:schemeClr val="tx1"/>
-          </a:fontRef>
-        </p:style>
-      </p:cxnSp>
-      <p:sp>
-        <p:nvSpPr>
-          <p:cNvPr id="49" name="TextBox 48">
-            <a:extLst>
-              <a:ext uri="{FF2B5EF4-FFF2-40B4-BE49-F238E27FC236}">
-                <a16:creationId xmlns:a16="http://schemas.microsoft.com/office/drawing/2014/main" id="{5F69519F-EFE1-4DD1-FF9E-07F17A2A1BAD}"/>
-              </a:ext>
-            </a:extLst>
-          </p:cNvPr>
-          <p:cNvSpPr txBox="1"/>
-          <p:nvPr/>
-        </p:nvSpPr>
-        <p:spPr>
-          <a:xfrm>
-            <a:off x="7681558" y="4911590"/>
-            <a:ext cx="1917074" cy="584775"/>
-          </a:xfrm>
-          <a:prstGeom prst="rect">
-            <a:avLst/>
-          </a:prstGeom>
-          <a:noFill/>
-        </p:spPr>
-        <p:txBody>
-          <a:bodyPr wrap="square" rtlCol="1">
-            <a:spAutoFit/>
-          </a:bodyPr>
-          <a:lstStyle/>
-          <a:p>
-            <a:r>
-              <a:rPr lang="en-US" sz="1600" dirty="0"/>
-              <a:t>NN tells the bird to jump</a:t>
-            </a:r>
-            <a:r>
-              <a:rPr lang="en-US" sz="1600" baseline="30000" dirty="0"/>
-              <a:t>2</a:t>
-            </a:r>
-            <a:endParaRPr lang="he-IL" sz="1600" dirty="0"/>
-          </a:p>
-        </p:txBody>
-      </p:sp>
+        </p:grpSpPr>
+        <p:cxnSp>
+          <p:nvCxnSpPr>
+            <p:cNvPr id="42" name="Straight Arrow Connector 41">
+              <a:extLst>
+                <a:ext uri="{FF2B5EF4-FFF2-40B4-BE49-F238E27FC236}">
+                  <a16:creationId xmlns:a16="http://schemas.microsoft.com/office/drawing/2014/main" id="{9D592E46-024C-E50A-3B87-2500BE66B2D4}"/>
+                </a:ext>
+              </a:extLst>
+            </p:cNvPr>
+            <p:cNvCxnSpPr>
+              <a:cxnSpLocks/>
+              <a:stCxn id="43" idx="0"/>
+            </p:cNvCxnSpPr>
+            <p:nvPr/>
+          </p:nvCxnSpPr>
+          <p:spPr>
+            <a:xfrm flipV="1">
+              <a:off x="2756012" y="4249506"/>
+              <a:ext cx="1035700" cy="587577"/>
+            </a:xfrm>
+            <a:prstGeom prst="straightConnector1">
+              <a:avLst/>
+            </a:prstGeom>
+            <a:ln>
+              <a:tailEnd type="triangle"/>
+            </a:ln>
+          </p:spPr>
+          <p:style>
+            <a:lnRef idx="1">
+              <a:schemeClr val="accent1"/>
+            </a:lnRef>
+            <a:fillRef idx="0">
+              <a:schemeClr val="accent1"/>
+            </a:fillRef>
+            <a:effectRef idx="0">
+              <a:schemeClr val="accent1"/>
+            </a:effectRef>
+            <a:fontRef idx="minor">
+              <a:schemeClr val="tx1"/>
+            </a:fontRef>
+          </p:style>
+        </p:cxnSp>
+        <p:sp>
+          <p:nvSpPr>
+            <p:cNvPr id="43" name="TextBox 42">
+              <a:extLst>
+                <a:ext uri="{FF2B5EF4-FFF2-40B4-BE49-F238E27FC236}">
+                  <a16:creationId xmlns:a16="http://schemas.microsoft.com/office/drawing/2014/main" id="{27B9FA93-6C4E-5F1D-01E0-CB69F29DAA8D}"/>
+                </a:ext>
+              </a:extLst>
+            </p:cNvPr>
+            <p:cNvSpPr txBox="1"/>
+            <p:nvPr/>
+          </p:nvSpPr>
+          <p:spPr>
+            <a:xfrm>
+              <a:off x="1944758" y="4837083"/>
+              <a:ext cx="1622507" cy="830997"/>
+            </a:xfrm>
+            <a:prstGeom prst="rect">
+              <a:avLst/>
+            </a:prstGeom>
+            <a:noFill/>
+          </p:spPr>
+          <p:txBody>
+            <a:bodyPr wrap="square" rtlCol="1">
+              <a:spAutoFit/>
+            </a:bodyPr>
+            <a:lstStyle/>
+            <a:p>
+              <a:r>
+                <a:rPr lang="en-US" sz="1600" dirty="0"/>
+                <a:t>Ask NN to decide whether to jump</a:t>
+              </a:r>
+              <a:br>
+                <a:rPr lang="en-US" sz="1600" dirty="0"/>
+              </a:br>
+              <a:r>
+                <a:rPr lang="en-US" sz="1600" dirty="0"/>
+                <a:t>(bird to NN)</a:t>
+              </a:r>
+              <a:endParaRPr lang="he-IL" sz="1600" dirty="0"/>
+            </a:p>
+          </p:txBody>
+        </p:sp>
+        <p:cxnSp>
+          <p:nvCxnSpPr>
+            <p:cNvPr id="44" name="Straight Arrow Connector 43">
+              <a:extLst>
+                <a:ext uri="{FF2B5EF4-FFF2-40B4-BE49-F238E27FC236}">
+                  <a16:creationId xmlns:a16="http://schemas.microsoft.com/office/drawing/2014/main" id="{4EF750B5-8B69-5DAC-CF93-ADC5A1A55FAD}"/>
+                </a:ext>
+              </a:extLst>
+            </p:cNvPr>
+            <p:cNvCxnSpPr>
+              <a:cxnSpLocks/>
+              <a:stCxn id="45" idx="0"/>
+              <a:endCxn id="4" idx="1"/>
+            </p:cNvCxnSpPr>
+            <p:nvPr/>
+          </p:nvCxnSpPr>
+          <p:spPr>
+            <a:xfrm flipV="1">
+              <a:off x="5726298" y="4463748"/>
+              <a:ext cx="180150" cy="456439"/>
+            </a:xfrm>
+            <a:prstGeom prst="straightConnector1">
+              <a:avLst/>
+            </a:prstGeom>
+            <a:ln>
+              <a:tailEnd type="triangle"/>
+            </a:ln>
+          </p:spPr>
+          <p:style>
+            <a:lnRef idx="1">
+              <a:schemeClr val="accent1"/>
+            </a:lnRef>
+            <a:fillRef idx="0">
+              <a:schemeClr val="accent1"/>
+            </a:fillRef>
+            <a:effectRef idx="0">
+              <a:schemeClr val="accent1"/>
+            </a:effectRef>
+            <a:fontRef idx="minor">
+              <a:schemeClr val="tx1"/>
+            </a:fontRef>
+          </p:style>
+        </p:cxnSp>
+        <p:sp>
+          <p:nvSpPr>
+            <p:cNvPr id="45" name="TextBox 44">
+              <a:extLst>
+                <a:ext uri="{FF2B5EF4-FFF2-40B4-BE49-F238E27FC236}">
+                  <a16:creationId xmlns:a16="http://schemas.microsoft.com/office/drawing/2014/main" id="{9D40C236-47E3-BA66-7203-957235C5F18F}"/>
+                </a:ext>
+              </a:extLst>
+            </p:cNvPr>
+            <p:cNvSpPr txBox="1"/>
+            <p:nvPr/>
+          </p:nvSpPr>
+          <p:spPr>
+            <a:xfrm>
+              <a:off x="5051796" y="4920187"/>
+              <a:ext cx="1349004" cy="1323439"/>
+            </a:xfrm>
+            <a:prstGeom prst="rect">
+              <a:avLst/>
+            </a:prstGeom>
+            <a:noFill/>
+          </p:spPr>
+          <p:txBody>
+            <a:bodyPr wrap="square" rtlCol="1">
+              <a:spAutoFit/>
+            </a:bodyPr>
+            <a:lstStyle/>
+            <a:p>
+              <a:r>
+                <a:rPr lang="en-US" sz="1600" dirty="0"/>
+                <a:t>Neurons messages -Feed Forward </a:t>
+              </a:r>
+              <a:br>
+                <a:rPr lang="en-US" sz="1600" dirty="0"/>
+              </a:br>
+              <a:r>
+                <a:rPr lang="en-US" sz="1600" dirty="0"/>
+                <a:t>(neuron to neuron)</a:t>
+              </a:r>
+              <a:endParaRPr lang="he-IL" sz="1600" dirty="0"/>
+            </a:p>
+          </p:txBody>
+        </p:sp>
+        <p:cxnSp>
+          <p:nvCxnSpPr>
+            <p:cNvPr id="46" name="Straight Arrow Connector 45">
+              <a:extLst>
+                <a:ext uri="{FF2B5EF4-FFF2-40B4-BE49-F238E27FC236}">
+                  <a16:creationId xmlns:a16="http://schemas.microsoft.com/office/drawing/2014/main" id="{73EDC341-4B8D-DC97-832D-82482BCF583E}"/>
+                </a:ext>
+              </a:extLst>
+            </p:cNvPr>
+            <p:cNvCxnSpPr>
+              <a:cxnSpLocks/>
+              <a:stCxn id="47" idx="0"/>
+            </p:cNvCxnSpPr>
+            <p:nvPr/>
+          </p:nvCxnSpPr>
+          <p:spPr>
+            <a:xfrm flipV="1">
+              <a:off x="7307161" y="4249506"/>
+              <a:ext cx="415957" cy="670681"/>
+            </a:xfrm>
+            <a:prstGeom prst="straightConnector1">
+              <a:avLst/>
+            </a:prstGeom>
+            <a:ln>
+              <a:tailEnd type="triangle"/>
+            </a:ln>
+          </p:spPr>
+          <p:style>
+            <a:lnRef idx="1">
+              <a:schemeClr val="accent1"/>
+            </a:lnRef>
+            <a:fillRef idx="0">
+              <a:schemeClr val="accent1"/>
+            </a:fillRef>
+            <a:effectRef idx="0">
+              <a:schemeClr val="accent1"/>
+            </a:effectRef>
+            <a:fontRef idx="minor">
+              <a:schemeClr val="tx1"/>
+            </a:fontRef>
+          </p:style>
+        </p:cxnSp>
+        <p:sp>
+          <p:nvSpPr>
+            <p:cNvPr id="47" name="TextBox 46">
+              <a:extLst>
+                <a:ext uri="{FF2B5EF4-FFF2-40B4-BE49-F238E27FC236}">
+                  <a16:creationId xmlns:a16="http://schemas.microsoft.com/office/drawing/2014/main" id="{532C0BBE-0BFB-69EE-050D-21C3235776C4}"/>
+                </a:ext>
+              </a:extLst>
+            </p:cNvPr>
+            <p:cNvSpPr txBox="1"/>
+            <p:nvPr/>
+          </p:nvSpPr>
+          <p:spPr>
+            <a:xfrm>
+              <a:off x="6565991" y="4920187"/>
+              <a:ext cx="1482340" cy="830997"/>
+            </a:xfrm>
+            <a:prstGeom prst="rect">
+              <a:avLst/>
+            </a:prstGeom>
+            <a:noFill/>
+          </p:spPr>
+          <p:txBody>
+            <a:bodyPr wrap="square" rtlCol="1">
+              <a:spAutoFit/>
+            </a:bodyPr>
+            <a:lstStyle/>
+            <a:p>
+              <a:r>
+                <a:rPr lang="en-US" sz="1600" dirty="0"/>
+                <a:t>Send to NN the answer</a:t>
+              </a:r>
+              <a:br>
+                <a:rPr lang="en-US" sz="1600" dirty="0"/>
+              </a:br>
+              <a:r>
+                <a:rPr lang="en-US" sz="1600" dirty="0"/>
+                <a:t>(neuron to NN)</a:t>
+              </a:r>
+              <a:endParaRPr lang="he-IL" sz="1600" dirty="0"/>
+            </a:p>
+          </p:txBody>
+        </p:sp>
+        <p:cxnSp>
+          <p:nvCxnSpPr>
+            <p:cNvPr id="48" name="Straight Arrow Connector 47">
+              <a:extLst>
+                <a:ext uri="{FF2B5EF4-FFF2-40B4-BE49-F238E27FC236}">
+                  <a16:creationId xmlns:a16="http://schemas.microsoft.com/office/drawing/2014/main" id="{59B916BD-1B60-3C30-A2E7-BD354280AF5C}"/>
+                </a:ext>
+              </a:extLst>
+            </p:cNvPr>
+            <p:cNvCxnSpPr>
+              <a:cxnSpLocks/>
+              <a:stCxn id="49" idx="0"/>
+            </p:cNvCxnSpPr>
+            <p:nvPr/>
+          </p:nvCxnSpPr>
+          <p:spPr>
+            <a:xfrm flipH="1" flipV="1">
+              <a:off x="8253625" y="4265259"/>
+              <a:ext cx="750502" cy="646331"/>
+            </a:xfrm>
+            <a:prstGeom prst="straightConnector1">
+              <a:avLst/>
+            </a:prstGeom>
+            <a:ln>
+              <a:tailEnd type="triangle"/>
+            </a:ln>
+          </p:spPr>
+          <p:style>
+            <a:lnRef idx="1">
+              <a:schemeClr val="accent1"/>
+            </a:lnRef>
+            <a:fillRef idx="0">
+              <a:schemeClr val="accent1"/>
+            </a:fillRef>
+            <a:effectRef idx="0">
+              <a:schemeClr val="accent1"/>
+            </a:effectRef>
+            <a:fontRef idx="minor">
+              <a:schemeClr val="tx1"/>
+            </a:fontRef>
+          </p:style>
+        </p:cxnSp>
+        <p:sp>
+          <p:nvSpPr>
+            <p:cNvPr id="49" name="TextBox 48">
+              <a:extLst>
+                <a:ext uri="{FF2B5EF4-FFF2-40B4-BE49-F238E27FC236}">
+                  <a16:creationId xmlns:a16="http://schemas.microsoft.com/office/drawing/2014/main" id="{5F69519F-EFE1-4DD1-FF9E-07F17A2A1BAD}"/>
+                </a:ext>
+              </a:extLst>
+            </p:cNvPr>
+            <p:cNvSpPr txBox="1"/>
+            <p:nvPr/>
+          </p:nvSpPr>
+          <p:spPr>
+            <a:xfrm>
+              <a:off x="8253625" y="4911590"/>
+              <a:ext cx="1501003" cy="830997"/>
+            </a:xfrm>
+            <a:prstGeom prst="rect">
+              <a:avLst/>
+            </a:prstGeom>
+            <a:noFill/>
+          </p:spPr>
+          <p:txBody>
+            <a:bodyPr wrap="square" rtlCol="1">
+              <a:spAutoFit/>
+            </a:bodyPr>
+            <a:lstStyle/>
+            <a:p>
+              <a:r>
+                <a:rPr lang="en-US" sz="1600" dirty="0"/>
+                <a:t>NN tells the bird to jump</a:t>
+              </a:r>
+              <a:r>
+                <a:rPr lang="en-US" sz="1600" baseline="30000" dirty="0"/>
+                <a:t>2 </a:t>
+              </a:r>
+              <a:r>
+                <a:rPr lang="en-US" sz="1600" dirty="0"/>
+                <a:t>(only if needed)</a:t>
+              </a:r>
+              <a:endParaRPr lang="he-IL" sz="1600" dirty="0"/>
+            </a:p>
+          </p:txBody>
+        </p:sp>
+        <p:sp>
+          <p:nvSpPr>
+            <p:cNvPr id="4" name="Right Brace 3">
+              <a:extLst>
+                <a:ext uri="{FF2B5EF4-FFF2-40B4-BE49-F238E27FC236}">
+                  <a16:creationId xmlns:a16="http://schemas.microsoft.com/office/drawing/2014/main" id="{4C3B4DF6-C089-A00A-FC3B-29C7F138B26E}"/>
+                </a:ext>
+              </a:extLst>
+            </p:cNvPr>
+            <p:cNvSpPr/>
+            <p:nvPr/>
+          </p:nvSpPr>
+          <p:spPr>
+            <a:xfrm rot="5400000">
+              <a:off x="5799327" y="3014931"/>
+              <a:ext cx="214242" cy="2683392"/>
+            </a:xfrm>
+            <a:prstGeom prst="rightBrace">
+              <a:avLst/>
+            </a:prstGeom>
+            <a:ln w="19050"/>
+          </p:spPr>
+          <p:style>
+            <a:lnRef idx="1">
+              <a:schemeClr val="accent1"/>
+            </a:lnRef>
+            <a:fillRef idx="0">
+              <a:schemeClr val="accent1"/>
+            </a:fillRef>
+            <a:effectRef idx="0">
+              <a:schemeClr val="accent1"/>
+            </a:effectRef>
+            <a:fontRef idx="minor">
+              <a:schemeClr val="tx1"/>
+            </a:fontRef>
+          </p:style>
+          <p:txBody>
+            <a:bodyPr rtlCol="1" anchor="ctr"/>
+            <a:lstStyle/>
+            <a:p>
+              <a:pPr algn="ctr"/>
+              <a:endParaRPr lang="he-IL"/>
+            </a:p>
+          </p:txBody>
+        </p:sp>
+        <p:sp>
+          <p:nvSpPr>
+            <p:cNvPr id="11" name="TextBox 10">
+              <a:extLst>
+                <a:ext uri="{FF2B5EF4-FFF2-40B4-BE49-F238E27FC236}">
+                  <a16:creationId xmlns:a16="http://schemas.microsoft.com/office/drawing/2014/main" id="{FD9442B5-19DC-5858-1B52-310160F26D14}"/>
+                </a:ext>
+              </a:extLst>
+            </p:cNvPr>
+            <p:cNvSpPr txBox="1"/>
+            <p:nvPr/>
+          </p:nvSpPr>
+          <p:spPr>
+            <a:xfrm>
+              <a:off x="3565044" y="4920187"/>
+              <a:ext cx="1486752" cy="830997"/>
+            </a:xfrm>
+            <a:prstGeom prst="rect">
+              <a:avLst/>
+            </a:prstGeom>
+            <a:noFill/>
+          </p:spPr>
+          <p:txBody>
+            <a:bodyPr wrap="square" rtlCol="1">
+              <a:spAutoFit/>
+            </a:bodyPr>
+            <a:lstStyle/>
+            <a:p>
+              <a:r>
+                <a:rPr lang="en-US" sz="1600" dirty="0"/>
+                <a:t>Feeding the input layer (NN to neurons)</a:t>
+              </a:r>
+              <a:endParaRPr lang="he-IL" sz="1600" dirty="0"/>
+            </a:p>
+          </p:txBody>
+        </p:sp>
+        <p:cxnSp>
+          <p:nvCxnSpPr>
+            <p:cNvPr id="13" name="Straight Arrow Connector 12">
+              <a:extLst>
+                <a:ext uri="{FF2B5EF4-FFF2-40B4-BE49-F238E27FC236}">
+                  <a16:creationId xmlns:a16="http://schemas.microsoft.com/office/drawing/2014/main" id="{039A8D6E-180D-B262-A25C-A0612EDF17D6}"/>
+                </a:ext>
+              </a:extLst>
+            </p:cNvPr>
+            <p:cNvCxnSpPr>
+              <a:cxnSpLocks/>
+              <a:stCxn id="11" idx="0"/>
+            </p:cNvCxnSpPr>
+            <p:nvPr/>
+          </p:nvCxnSpPr>
+          <p:spPr>
+            <a:xfrm flipH="1" flipV="1">
+              <a:off x="4210029" y="4249506"/>
+              <a:ext cx="98391" cy="670681"/>
+            </a:xfrm>
+            <a:prstGeom prst="straightConnector1">
+              <a:avLst/>
+            </a:prstGeom>
+            <a:ln>
+              <a:tailEnd type="triangle"/>
+            </a:ln>
+          </p:spPr>
+          <p:style>
+            <a:lnRef idx="1">
+              <a:schemeClr val="accent1"/>
+            </a:lnRef>
+            <a:fillRef idx="0">
+              <a:schemeClr val="accent1"/>
+            </a:fillRef>
+            <a:effectRef idx="0">
+              <a:schemeClr val="accent1"/>
+            </a:effectRef>
+            <a:fontRef idx="minor">
+              <a:schemeClr val="tx1"/>
+            </a:fontRef>
+          </p:style>
+        </p:cxnSp>
+      </p:grpSp>
     </p:spTree>
     <p:extLst>
       <p:ext uri="{BB962C8B-B14F-4D97-AF65-F5344CB8AC3E}">
